--- a/docs/nzabakira floris - telco first interim submission.pptx
+++ b/docs/nzabakira floris - telco first interim submission.pptx
@@ -5,7 +5,7 @@
     <p:sldMasterId id="2147483659" r:id="rId1"/>
   </p:sldMasterIdLst>
   <p:notesMasterIdLst>
-    <p:notesMasterId r:id="rId16"/>
+    <p:notesMasterId r:id="rId24"/>
   </p:notesMasterIdLst>
   <p:sldIdLst>
     <p:sldId id="256" r:id="rId2"/>
@@ -13,15 +13,23 @@
     <p:sldId id="258" r:id="rId4"/>
     <p:sldId id="259" r:id="rId5"/>
     <p:sldId id="271" r:id="rId6"/>
-    <p:sldId id="272" r:id="rId7"/>
-    <p:sldId id="273" r:id="rId8"/>
-    <p:sldId id="260" r:id="rId9"/>
-    <p:sldId id="262" r:id="rId10"/>
-    <p:sldId id="264" r:id="rId11"/>
-    <p:sldId id="266" r:id="rId12"/>
-    <p:sldId id="268" r:id="rId13"/>
-    <p:sldId id="270" r:id="rId14"/>
-    <p:sldId id="274" r:id="rId15"/>
+    <p:sldId id="281" r:id="rId7"/>
+    <p:sldId id="282" r:id="rId8"/>
+    <p:sldId id="272" r:id="rId9"/>
+    <p:sldId id="273" r:id="rId10"/>
+    <p:sldId id="260" r:id="rId11"/>
+    <p:sldId id="262" r:id="rId12"/>
+    <p:sldId id="264" r:id="rId13"/>
+    <p:sldId id="266" r:id="rId14"/>
+    <p:sldId id="268" r:id="rId15"/>
+    <p:sldId id="270" r:id="rId16"/>
+    <p:sldId id="279" r:id="rId17"/>
+    <p:sldId id="276" r:id="rId18"/>
+    <p:sldId id="277" r:id="rId19"/>
+    <p:sldId id="275" r:id="rId20"/>
+    <p:sldId id="278" r:id="rId21"/>
+    <p:sldId id="280" r:id="rId22"/>
+    <p:sldId id="274" r:id="rId23"/>
   </p:sldIdLst>
   <p:sldSz cx="9144000" cy="5143500" type="screen16x9"/>
   <p:notesSz cx="6858000" cy="9144000"/>
@@ -915,6 +923,660 @@
         </p:txBody>
       </p:sp>
     </p:spTree>
+  </p:cSld>
+  <p:clrMapOvr>
+    <a:masterClrMapping/>
+  </p:clrMapOvr>
+</p:notes>
+</file>
+
+<file path=ppt/notesSlides/notesSlide11.xml><?xml version="1.0" encoding="utf-8"?>
+<p:notes xmlns:a="http://schemas.openxmlformats.org/drawingml/2006/main" xmlns:r="http://schemas.openxmlformats.org/officeDocument/2006/relationships" xmlns:p="http://schemas.openxmlformats.org/presentationml/2006/main" showMasterSp="0" showMasterPhAnim="0">
+  <p:cSld>
+    <p:spTree>
+      <p:nvGrpSpPr>
+        <p:cNvPr id="1" name="Shape 136"/>
+        <p:cNvGrpSpPr/>
+        <p:nvPr/>
+      </p:nvGrpSpPr>
+      <p:grpSpPr>
+        <a:xfrm>
+          <a:off x="0" y="0"/>
+          <a:ext cx="0" cy="0"/>
+          <a:chOff x="0" y="0"/>
+          <a:chExt cx="0" cy="0"/>
+        </a:xfrm>
+      </p:grpSpPr>
+      <p:sp>
+        <p:nvSpPr>
+          <p:cNvPr id="137" name="Google Shape;137;g12953677668_0_117:notes"/>
+          <p:cNvSpPr>
+            <a:spLocks noGrp="1" noRot="1" noChangeAspect="1"/>
+          </p:cNvSpPr>
+          <p:nvPr>
+            <p:ph type="sldImg" idx="2"/>
+          </p:nvPr>
+        </p:nvSpPr>
+        <p:spPr>
+          <a:xfrm>
+            <a:off x="381000" y="685800"/>
+            <a:ext cx="6096000" cy="3429000"/>
+          </a:xfrm>
+          <a:custGeom>
+            <a:avLst/>
+            <a:gdLst/>
+            <a:ahLst/>
+            <a:cxnLst/>
+            <a:rect l="l" t="t" r="r" b="b"/>
+            <a:pathLst>
+              <a:path w="120000" h="120000" extrusionOk="0">
+                <a:moveTo>
+                  <a:pt x="0" y="0"/>
+                </a:moveTo>
+                <a:lnTo>
+                  <a:pt x="120000" y="0"/>
+                </a:lnTo>
+                <a:lnTo>
+                  <a:pt x="120000" y="120000"/>
+                </a:lnTo>
+                <a:lnTo>
+                  <a:pt x="0" y="120000"/>
+                </a:lnTo>
+                <a:close/>
+              </a:path>
+            </a:pathLst>
+          </a:custGeom>
+        </p:spPr>
+      </p:sp>
+      <p:sp>
+        <p:nvSpPr>
+          <p:cNvPr id="138" name="Google Shape;138;g12953677668_0_117:notes"/>
+          <p:cNvSpPr txBox="1">
+            <a:spLocks noGrp="1"/>
+          </p:cNvSpPr>
+          <p:nvPr>
+            <p:ph type="body" idx="1"/>
+          </p:nvPr>
+        </p:nvSpPr>
+        <p:spPr>
+          <a:xfrm>
+            <a:off x="685800" y="4343400"/>
+            <a:ext cx="5486400" cy="4114800"/>
+          </a:xfrm>
+          <a:prstGeom prst="rect">
+            <a:avLst/>
+          </a:prstGeom>
+        </p:spPr>
+        <p:txBody>
+          <a:bodyPr spcFirstLastPara="1" wrap="square" lIns="91425" tIns="91425" rIns="91425" bIns="91425" anchor="t" anchorCtr="0">
+            <a:noAutofit/>
+          </a:bodyPr>
+          <a:lstStyle/>
+          <a:p>
+            <a:pPr marL="0" lvl="0" indent="0" algn="l" rtl="0">
+              <a:spcBef>
+                <a:spcPts val="0"/>
+              </a:spcBef>
+              <a:spcAft>
+                <a:spcPts val="0"/>
+              </a:spcAft>
+              <a:buNone/>
+            </a:pPr>
+            <a:endParaRPr/>
+          </a:p>
+        </p:txBody>
+      </p:sp>
+    </p:spTree>
+    <p:extLst>
+      <p:ext uri="{BB962C8B-B14F-4D97-AF65-F5344CB8AC3E}">
+        <p14:creationId xmlns:p14="http://schemas.microsoft.com/office/powerpoint/2010/main" val="3357385671"/>
+      </p:ext>
+    </p:extLst>
+  </p:cSld>
+  <p:clrMapOvr>
+    <a:masterClrMapping/>
+  </p:clrMapOvr>
+</p:notes>
+</file>
+
+<file path=ppt/notesSlides/notesSlide12.xml><?xml version="1.0" encoding="utf-8"?>
+<p:notes xmlns:a="http://schemas.openxmlformats.org/drawingml/2006/main" xmlns:r="http://schemas.openxmlformats.org/officeDocument/2006/relationships" xmlns:p="http://schemas.openxmlformats.org/presentationml/2006/main" showMasterSp="0" showMasterPhAnim="0">
+  <p:cSld>
+    <p:spTree>
+      <p:nvGrpSpPr>
+        <p:cNvPr id="1" name="Shape 136"/>
+        <p:cNvGrpSpPr/>
+        <p:nvPr/>
+      </p:nvGrpSpPr>
+      <p:grpSpPr>
+        <a:xfrm>
+          <a:off x="0" y="0"/>
+          <a:ext cx="0" cy="0"/>
+          <a:chOff x="0" y="0"/>
+          <a:chExt cx="0" cy="0"/>
+        </a:xfrm>
+      </p:grpSpPr>
+      <p:sp>
+        <p:nvSpPr>
+          <p:cNvPr id="137" name="Google Shape;137;g12953677668_0_117:notes"/>
+          <p:cNvSpPr>
+            <a:spLocks noGrp="1" noRot="1" noChangeAspect="1"/>
+          </p:cNvSpPr>
+          <p:nvPr>
+            <p:ph type="sldImg" idx="2"/>
+          </p:nvPr>
+        </p:nvSpPr>
+        <p:spPr>
+          <a:xfrm>
+            <a:off x="381000" y="685800"/>
+            <a:ext cx="6096000" cy="3429000"/>
+          </a:xfrm>
+          <a:custGeom>
+            <a:avLst/>
+            <a:gdLst/>
+            <a:ahLst/>
+            <a:cxnLst/>
+            <a:rect l="l" t="t" r="r" b="b"/>
+            <a:pathLst>
+              <a:path w="120000" h="120000" extrusionOk="0">
+                <a:moveTo>
+                  <a:pt x="0" y="0"/>
+                </a:moveTo>
+                <a:lnTo>
+                  <a:pt x="120000" y="0"/>
+                </a:lnTo>
+                <a:lnTo>
+                  <a:pt x="120000" y="120000"/>
+                </a:lnTo>
+                <a:lnTo>
+                  <a:pt x="0" y="120000"/>
+                </a:lnTo>
+                <a:close/>
+              </a:path>
+            </a:pathLst>
+          </a:custGeom>
+        </p:spPr>
+      </p:sp>
+      <p:sp>
+        <p:nvSpPr>
+          <p:cNvPr id="138" name="Google Shape;138;g12953677668_0_117:notes"/>
+          <p:cNvSpPr txBox="1">
+            <a:spLocks noGrp="1"/>
+          </p:cNvSpPr>
+          <p:nvPr>
+            <p:ph type="body" idx="1"/>
+          </p:nvPr>
+        </p:nvSpPr>
+        <p:spPr>
+          <a:xfrm>
+            <a:off x="685800" y="4343400"/>
+            <a:ext cx="5486400" cy="4114800"/>
+          </a:xfrm>
+          <a:prstGeom prst="rect">
+            <a:avLst/>
+          </a:prstGeom>
+        </p:spPr>
+        <p:txBody>
+          <a:bodyPr spcFirstLastPara="1" wrap="square" lIns="91425" tIns="91425" rIns="91425" bIns="91425" anchor="t" anchorCtr="0">
+            <a:noAutofit/>
+          </a:bodyPr>
+          <a:lstStyle/>
+          <a:p>
+            <a:pPr marL="0" lvl="0" indent="0" algn="l" rtl="0">
+              <a:spcBef>
+                <a:spcPts val="0"/>
+              </a:spcBef>
+              <a:spcAft>
+                <a:spcPts val="0"/>
+              </a:spcAft>
+              <a:buNone/>
+            </a:pPr>
+            <a:endParaRPr/>
+          </a:p>
+        </p:txBody>
+      </p:sp>
+    </p:spTree>
+    <p:extLst>
+      <p:ext uri="{BB962C8B-B14F-4D97-AF65-F5344CB8AC3E}">
+        <p14:creationId xmlns:p14="http://schemas.microsoft.com/office/powerpoint/2010/main" val="667553575"/>
+      </p:ext>
+    </p:extLst>
+  </p:cSld>
+  <p:clrMapOvr>
+    <a:masterClrMapping/>
+  </p:clrMapOvr>
+</p:notes>
+</file>
+
+<file path=ppt/notesSlides/notesSlide13.xml><?xml version="1.0" encoding="utf-8"?>
+<p:notes xmlns:a="http://schemas.openxmlformats.org/drawingml/2006/main" xmlns:r="http://schemas.openxmlformats.org/officeDocument/2006/relationships" xmlns:p="http://schemas.openxmlformats.org/presentationml/2006/main" showMasterSp="0" showMasterPhAnim="0">
+  <p:cSld>
+    <p:spTree>
+      <p:nvGrpSpPr>
+        <p:cNvPr id="1" name="Shape 136"/>
+        <p:cNvGrpSpPr/>
+        <p:nvPr/>
+      </p:nvGrpSpPr>
+      <p:grpSpPr>
+        <a:xfrm>
+          <a:off x="0" y="0"/>
+          <a:ext cx="0" cy="0"/>
+          <a:chOff x="0" y="0"/>
+          <a:chExt cx="0" cy="0"/>
+        </a:xfrm>
+      </p:grpSpPr>
+      <p:sp>
+        <p:nvSpPr>
+          <p:cNvPr id="137" name="Google Shape;137;g12953677668_0_117:notes"/>
+          <p:cNvSpPr>
+            <a:spLocks noGrp="1" noRot="1" noChangeAspect="1"/>
+          </p:cNvSpPr>
+          <p:nvPr>
+            <p:ph type="sldImg" idx="2"/>
+          </p:nvPr>
+        </p:nvSpPr>
+        <p:spPr>
+          <a:xfrm>
+            <a:off x="381000" y="685800"/>
+            <a:ext cx="6096000" cy="3429000"/>
+          </a:xfrm>
+          <a:custGeom>
+            <a:avLst/>
+            <a:gdLst/>
+            <a:ahLst/>
+            <a:cxnLst/>
+            <a:rect l="l" t="t" r="r" b="b"/>
+            <a:pathLst>
+              <a:path w="120000" h="120000" extrusionOk="0">
+                <a:moveTo>
+                  <a:pt x="0" y="0"/>
+                </a:moveTo>
+                <a:lnTo>
+                  <a:pt x="120000" y="0"/>
+                </a:lnTo>
+                <a:lnTo>
+                  <a:pt x="120000" y="120000"/>
+                </a:lnTo>
+                <a:lnTo>
+                  <a:pt x="0" y="120000"/>
+                </a:lnTo>
+                <a:close/>
+              </a:path>
+            </a:pathLst>
+          </a:custGeom>
+        </p:spPr>
+      </p:sp>
+      <p:sp>
+        <p:nvSpPr>
+          <p:cNvPr id="138" name="Google Shape;138;g12953677668_0_117:notes"/>
+          <p:cNvSpPr txBox="1">
+            <a:spLocks noGrp="1"/>
+          </p:cNvSpPr>
+          <p:nvPr>
+            <p:ph type="body" idx="1"/>
+          </p:nvPr>
+        </p:nvSpPr>
+        <p:spPr>
+          <a:xfrm>
+            <a:off x="685800" y="4343400"/>
+            <a:ext cx="5486400" cy="4114800"/>
+          </a:xfrm>
+          <a:prstGeom prst="rect">
+            <a:avLst/>
+          </a:prstGeom>
+        </p:spPr>
+        <p:txBody>
+          <a:bodyPr spcFirstLastPara="1" wrap="square" lIns="91425" tIns="91425" rIns="91425" bIns="91425" anchor="t" anchorCtr="0">
+            <a:noAutofit/>
+          </a:bodyPr>
+          <a:lstStyle/>
+          <a:p>
+            <a:pPr marL="0" lvl="0" indent="0" algn="l" rtl="0">
+              <a:spcBef>
+                <a:spcPts val="0"/>
+              </a:spcBef>
+              <a:spcAft>
+                <a:spcPts val="0"/>
+              </a:spcAft>
+              <a:buNone/>
+            </a:pPr>
+            <a:endParaRPr/>
+          </a:p>
+        </p:txBody>
+      </p:sp>
+    </p:spTree>
+    <p:extLst>
+      <p:ext uri="{BB962C8B-B14F-4D97-AF65-F5344CB8AC3E}">
+        <p14:creationId xmlns:p14="http://schemas.microsoft.com/office/powerpoint/2010/main" val="934069482"/>
+      </p:ext>
+    </p:extLst>
+  </p:cSld>
+  <p:clrMapOvr>
+    <a:masterClrMapping/>
+  </p:clrMapOvr>
+</p:notes>
+</file>
+
+<file path=ppt/notesSlides/notesSlide14.xml><?xml version="1.0" encoding="utf-8"?>
+<p:notes xmlns:a="http://schemas.openxmlformats.org/drawingml/2006/main" xmlns:r="http://schemas.openxmlformats.org/officeDocument/2006/relationships" xmlns:p="http://schemas.openxmlformats.org/presentationml/2006/main" showMasterSp="0" showMasterPhAnim="0">
+  <p:cSld>
+    <p:spTree>
+      <p:nvGrpSpPr>
+        <p:cNvPr id="1" name="Shape 136"/>
+        <p:cNvGrpSpPr/>
+        <p:nvPr/>
+      </p:nvGrpSpPr>
+      <p:grpSpPr>
+        <a:xfrm>
+          <a:off x="0" y="0"/>
+          <a:ext cx="0" cy="0"/>
+          <a:chOff x="0" y="0"/>
+          <a:chExt cx="0" cy="0"/>
+        </a:xfrm>
+      </p:grpSpPr>
+      <p:sp>
+        <p:nvSpPr>
+          <p:cNvPr id="137" name="Google Shape;137;g12953677668_0_117:notes"/>
+          <p:cNvSpPr>
+            <a:spLocks noGrp="1" noRot="1" noChangeAspect="1"/>
+          </p:cNvSpPr>
+          <p:nvPr>
+            <p:ph type="sldImg" idx="2"/>
+          </p:nvPr>
+        </p:nvSpPr>
+        <p:spPr>
+          <a:xfrm>
+            <a:off x="381000" y="685800"/>
+            <a:ext cx="6096000" cy="3429000"/>
+          </a:xfrm>
+          <a:custGeom>
+            <a:avLst/>
+            <a:gdLst/>
+            <a:ahLst/>
+            <a:cxnLst/>
+            <a:rect l="l" t="t" r="r" b="b"/>
+            <a:pathLst>
+              <a:path w="120000" h="120000" extrusionOk="0">
+                <a:moveTo>
+                  <a:pt x="0" y="0"/>
+                </a:moveTo>
+                <a:lnTo>
+                  <a:pt x="120000" y="0"/>
+                </a:lnTo>
+                <a:lnTo>
+                  <a:pt x="120000" y="120000"/>
+                </a:lnTo>
+                <a:lnTo>
+                  <a:pt x="0" y="120000"/>
+                </a:lnTo>
+                <a:close/>
+              </a:path>
+            </a:pathLst>
+          </a:custGeom>
+        </p:spPr>
+      </p:sp>
+      <p:sp>
+        <p:nvSpPr>
+          <p:cNvPr id="138" name="Google Shape;138;g12953677668_0_117:notes"/>
+          <p:cNvSpPr txBox="1">
+            <a:spLocks noGrp="1"/>
+          </p:cNvSpPr>
+          <p:nvPr>
+            <p:ph type="body" idx="1"/>
+          </p:nvPr>
+        </p:nvSpPr>
+        <p:spPr>
+          <a:xfrm>
+            <a:off x="685800" y="4343400"/>
+            <a:ext cx="5486400" cy="4114800"/>
+          </a:xfrm>
+          <a:prstGeom prst="rect">
+            <a:avLst/>
+          </a:prstGeom>
+        </p:spPr>
+        <p:txBody>
+          <a:bodyPr spcFirstLastPara="1" wrap="square" lIns="91425" tIns="91425" rIns="91425" bIns="91425" anchor="t" anchorCtr="0">
+            <a:noAutofit/>
+          </a:bodyPr>
+          <a:lstStyle/>
+          <a:p>
+            <a:pPr marL="0" lvl="0" indent="0" algn="l" rtl="0">
+              <a:spcBef>
+                <a:spcPts val="0"/>
+              </a:spcBef>
+              <a:spcAft>
+                <a:spcPts val="0"/>
+              </a:spcAft>
+              <a:buNone/>
+            </a:pPr>
+            <a:endParaRPr/>
+          </a:p>
+        </p:txBody>
+      </p:sp>
+    </p:spTree>
+    <p:extLst>
+      <p:ext uri="{BB962C8B-B14F-4D97-AF65-F5344CB8AC3E}">
+        <p14:creationId xmlns:p14="http://schemas.microsoft.com/office/powerpoint/2010/main" val="1402923307"/>
+      </p:ext>
+    </p:extLst>
+  </p:cSld>
+  <p:clrMapOvr>
+    <a:masterClrMapping/>
+  </p:clrMapOvr>
+</p:notes>
+</file>
+
+<file path=ppt/notesSlides/notesSlide15.xml><?xml version="1.0" encoding="utf-8"?>
+<p:notes xmlns:a="http://schemas.openxmlformats.org/drawingml/2006/main" xmlns:r="http://schemas.openxmlformats.org/officeDocument/2006/relationships" xmlns:p="http://schemas.openxmlformats.org/presentationml/2006/main" showMasterSp="0" showMasterPhAnim="0">
+  <p:cSld>
+    <p:spTree>
+      <p:nvGrpSpPr>
+        <p:cNvPr id="1" name="Shape 136"/>
+        <p:cNvGrpSpPr/>
+        <p:nvPr/>
+      </p:nvGrpSpPr>
+      <p:grpSpPr>
+        <a:xfrm>
+          <a:off x="0" y="0"/>
+          <a:ext cx="0" cy="0"/>
+          <a:chOff x="0" y="0"/>
+          <a:chExt cx="0" cy="0"/>
+        </a:xfrm>
+      </p:grpSpPr>
+      <p:sp>
+        <p:nvSpPr>
+          <p:cNvPr id="137" name="Google Shape;137;g12953677668_0_117:notes"/>
+          <p:cNvSpPr>
+            <a:spLocks noGrp="1" noRot="1" noChangeAspect="1"/>
+          </p:cNvSpPr>
+          <p:nvPr>
+            <p:ph type="sldImg" idx="2"/>
+          </p:nvPr>
+        </p:nvSpPr>
+        <p:spPr>
+          <a:xfrm>
+            <a:off x="381000" y="685800"/>
+            <a:ext cx="6096000" cy="3429000"/>
+          </a:xfrm>
+          <a:custGeom>
+            <a:avLst/>
+            <a:gdLst/>
+            <a:ahLst/>
+            <a:cxnLst/>
+            <a:rect l="l" t="t" r="r" b="b"/>
+            <a:pathLst>
+              <a:path w="120000" h="120000" extrusionOk="0">
+                <a:moveTo>
+                  <a:pt x="0" y="0"/>
+                </a:moveTo>
+                <a:lnTo>
+                  <a:pt x="120000" y="0"/>
+                </a:lnTo>
+                <a:lnTo>
+                  <a:pt x="120000" y="120000"/>
+                </a:lnTo>
+                <a:lnTo>
+                  <a:pt x="0" y="120000"/>
+                </a:lnTo>
+                <a:close/>
+              </a:path>
+            </a:pathLst>
+          </a:custGeom>
+        </p:spPr>
+      </p:sp>
+      <p:sp>
+        <p:nvSpPr>
+          <p:cNvPr id="138" name="Google Shape;138;g12953677668_0_117:notes"/>
+          <p:cNvSpPr txBox="1">
+            <a:spLocks noGrp="1"/>
+          </p:cNvSpPr>
+          <p:nvPr>
+            <p:ph type="body" idx="1"/>
+          </p:nvPr>
+        </p:nvSpPr>
+        <p:spPr>
+          <a:xfrm>
+            <a:off x="685800" y="4343400"/>
+            <a:ext cx="5486400" cy="4114800"/>
+          </a:xfrm>
+          <a:prstGeom prst="rect">
+            <a:avLst/>
+          </a:prstGeom>
+        </p:spPr>
+        <p:txBody>
+          <a:bodyPr spcFirstLastPara="1" wrap="square" lIns="91425" tIns="91425" rIns="91425" bIns="91425" anchor="t" anchorCtr="0">
+            <a:noAutofit/>
+          </a:bodyPr>
+          <a:lstStyle/>
+          <a:p>
+            <a:pPr marL="0" lvl="0" indent="0" algn="l" rtl="0">
+              <a:spcBef>
+                <a:spcPts val="0"/>
+              </a:spcBef>
+              <a:spcAft>
+                <a:spcPts val="0"/>
+              </a:spcAft>
+              <a:buNone/>
+            </a:pPr>
+            <a:endParaRPr/>
+          </a:p>
+        </p:txBody>
+      </p:sp>
+    </p:spTree>
+    <p:extLst>
+      <p:ext uri="{BB962C8B-B14F-4D97-AF65-F5344CB8AC3E}">
+        <p14:creationId xmlns:p14="http://schemas.microsoft.com/office/powerpoint/2010/main" val="803281557"/>
+      </p:ext>
+    </p:extLst>
+  </p:cSld>
+  <p:clrMapOvr>
+    <a:masterClrMapping/>
+  </p:clrMapOvr>
+</p:notes>
+</file>
+
+<file path=ppt/notesSlides/notesSlide16.xml><?xml version="1.0" encoding="utf-8"?>
+<p:notes xmlns:a="http://schemas.openxmlformats.org/drawingml/2006/main" xmlns:r="http://schemas.openxmlformats.org/officeDocument/2006/relationships" xmlns:p="http://schemas.openxmlformats.org/presentationml/2006/main" showMasterSp="0" showMasterPhAnim="0">
+  <p:cSld>
+    <p:spTree>
+      <p:nvGrpSpPr>
+        <p:cNvPr id="1" name="Shape 136"/>
+        <p:cNvGrpSpPr/>
+        <p:nvPr/>
+      </p:nvGrpSpPr>
+      <p:grpSpPr>
+        <a:xfrm>
+          <a:off x="0" y="0"/>
+          <a:ext cx="0" cy="0"/>
+          <a:chOff x="0" y="0"/>
+          <a:chExt cx="0" cy="0"/>
+        </a:xfrm>
+      </p:grpSpPr>
+      <p:sp>
+        <p:nvSpPr>
+          <p:cNvPr id="137" name="Google Shape;137;g12953677668_0_117:notes"/>
+          <p:cNvSpPr>
+            <a:spLocks noGrp="1" noRot="1" noChangeAspect="1"/>
+          </p:cNvSpPr>
+          <p:nvPr>
+            <p:ph type="sldImg" idx="2"/>
+          </p:nvPr>
+        </p:nvSpPr>
+        <p:spPr>
+          <a:xfrm>
+            <a:off x="381000" y="685800"/>
+            <a:ext cx="6096000" cy="3429000"/>
+          </a:xfrm>
+          <a:custGeom>
+            <a:avLst/>
+            <a:gdLst/>
+            <a:ahLst/>
+            <a:cxnLst/>
+            <a:rect l="l" t="t" r="r" b="b"/>
+            <a:pathLst>
+              <a:path w="120000" h="120000" extrusionOk="0">
+                <a:moveTo>
+                  <a:pt x="0" y="0"/>
+                </a:moveTo>
+                <a:lnTo>
+                  <a:pt x="120000" y="0"/>
+                </a:lnTo>
+                <a:lnTo>
+                  <a:pt x="120000" y="120000"/>
+                </a:lnTo>
+                <a:lnTo>
+                  <a:pt x="0" y="120000"/>
+                </a:lnTo>
+                <a:close/>
+              </a:path>
+            </a:pathLst>
+          </a:custGeom>
+        </p:spPr>
+      </p:sp>
+      <p:sp>
+        <p:nvSpPr>
+          <p:cNvPr id="138" name="Google Shape;138;g12953677668_0_117:notes"/>
+          <p:cNvSpPr txBox="1">
+            <a:spLocks noGrp="1"/>
+          </p:cNvSpPr>
+          <p:nvPr>
+            <p:ph type="body" idx="1"/>
+          </p:nvPr>
+        </p:nvSpPr>
+        <p:spPr>
+          <a:xfrm>
+            <a:off x="685800" y="4343400"/>
+            <a:ext cx="5486400" cy="4114800"/>
+          </a:xfrm>
+          <a:prstGeom prst="rect">
+            <a:avLst/>
+          </a:prstGeom>
+        </p:spPr>
+        <p:txBody>
+          <a:bodyPr spcFirstLastPara="1" wrap="square" lIns="91425" tIns="91425" rIns="91425" bIns="91425" anchor="t" anchorCtr="0">
+            <a:noAutofit/>
+          </a:bodyPr>
+          <a:lstStyle/>
+          <a:p>
+            <a:pPr marL="0" lvl="0" indent="0" algn="l" rtl="0">
+              <a:spcBef>
+                <a:spcPts val="0"/>
+              </a:spcBef>
+              <a:spcAft>
+                <a:spcPts val="0"/>
+              </a:spcAft>
+              <a:buNone/>
+            </a:pPr>
+            <a:endParaRPr/>
+          </a:p>
+        </p:txBody>
+      </p:sp>
+    </p:spTree>
+    <p:extLst>
+      <p:ext uri="{BB962C8B-B14F-4D97-AF65-F5344CB8AC3E}">
+        <p14:creationId xmlns:p14="http://schemas.microsoft.com/office/powerpoint/2010/main" val="3157716477"/>
+      </p:ext>
+    </p:extLst>
   </p:cSld>
   <p:clrMapOvr>
     <a:masterClrMapping/>
@@ -7044,6 +7706,440 @@
   <p:cSld>
     <p:spTree>
       <p:nvGrpSpPr>
+        <p:cNvPr id="1" name="Shape 78"/>
+        <p:cNvGrpSpPr/>
+        <p:nvPr/>
+      </p:nvGrpSpPr>
+      <p:grpSpPr>
+        <a:xfrm>
+          <a:off x="0" y="0"/>
+          <a:ext cx="0" cy="0"/>
+          <a:chOff x="0" y="0"/>
+          <a:chExt cx="0" cy="0"/>
+        </a:xfrm>
+      </p:grpSpPr>
+      <p:sp>
+        <p:nvSpPr>
+          <p:cNvPr id="79" name="Google Shape;79;p17"/>
+          <p:cNvSpPr txBox="1">
+            <a:spLocks noGrp="1"/>
+          </p:cNvSpPr>
+          <p:nvPr>
+            <p:ph type="title"/>
+          </p:nvPr>
+        </p:nvSpPr>
+        <p:spPr>
+          <a:xfrm>
+            <a:off x="303679" y="156268"/>
+            <a:ext cx="8520600" cy="461354"/>
+          </a:xfrm>
+          <a:prstGeom prst="rect">
+            <a:avLst/>
+          </a:prstGeom>
+        </p:spPr>
+        <p:txBody>
+          <a:bodyPr spcFirstLastPara="1" wrap="square" lIns="91425" tIns="91425" rIns="91425" bIns="91425" anchor="t" anchorCtr="0">
+            <a:normAutofit fontScale="90000"/>
+          </a:bodyPr>
+          <a:lstStyle/>
+          <a:p>
+            <a:pPr marL="0" lvl="0" indent="0" algn="l" rtl="0">
+              <a:spcBef>
+                <a:spcPts val="0"/>
+              </a:spcBef>
+              <a:spcAft>
+                <a:spcPts val="0"/>
+              </a:spcAft>
+              <a:buNone/>
+            </a:pPr>
+            <a:r>
+              <a:rPr lang="en" sz="1700" dirty="0"/>
+              <a:t>Graphical Univariate analysis for different applications vs the variables </a:t>
+            </a:r>
+            <a:r>
+              <a:rPr lang="en-US" sz="1700" dirty="0"/>
+              <a:t>for a sample of 1000</a:t>
+            </a:r>
+            <a:endParaRPr sz="1700" dirty="0"/>
+          </a:p>
+        </p:txBody>
+      </p:sp>
+      <p:sp>
+        <p:nvSpPr>
+          <p:cNvPr id="80" name="Google Shape;80;p17"/>
+          <p:cNvSpPr txBox="1">
+            <a:spLocks noGrp="1"/>
+          </p:cNvSpPr>
+          <p:nvPr>
+            <p:ph type="body" idx="1"/>
+          </p:nvPr>
+        </p:nvSpPr>
+        <p:spPr>
+          <a:xfrm>
+            <a:off x="311700" y="617622"/>
+            <a:ext cx="8520600" cy="4451683"/>
+          </a:xfrm>
+          <a:prstGeom prst="rect">
+            <a:avLst/>
+          </a:prstGeom>
+        </p:spPr>
+        <p:txBody>
+          <a:bodyPr spcFirstLastPara="1" wrap="square" lIns="91425" tIns="91425" rIns="91425" bIns="91425" anchor="t" anchorCtr="0">
+            <a:normAutofit/>
+          </a:bodyPr>
+          <a:lstStyle/>
+          <a:p>
+            <a:pPr marL="0" lvl="0" indent="0" algn="l" rtl="0">
+              <a:spcBef>
+                <a:spcPts val="0"/>
+              </a:spcBef>
+              <a:spcAft>
+                <a:spcPts val="0"/>
+              </a:spcAft>
+              <a:buNone/>
+            </a:pPr>
+            <a:r>
+              <a:rPr lang="en" dirty="0"/>
+              <a:t>Social Media Downloads</a:t>
+            </a:r>
+          </a:p>
+          <a:p>
+            <a:pPr marL="0" lvl="0" indent="0" algn="l" rtl="0">
+              <a:spcBef>
+                <a:spcPts val="0"/>
+              </a:spcBef>
+              <a:spcAft>
+                <a:spcPts val="0"/>
+              </a:spcAft>
+              <a:buNone/>
+            </a:pPr>
+            <a:r>
+              <a:rPr lang="en-US" sz="1400" dirty="0"/>
+              <a:t>The duration for both is mostly concentrated between 0-0.5 </a:t>
+            </a:r>
+            <a:r>
+              <a:rPr lang="en-US" sz="1400" dirty="0" err="1"/>
+              <a:t>ms</a:t>
+            </a:r>
+            <a:endParaRPr lang="en-US" sz="1400" dirty="0"/>
+          </a:p>
+          <a:p>
+            <a:pPr marL="0" lvl="0" indent="0" algn="l" rtl="0">
+              <a:spcBef>
+                <a:spcPts val="0"/>
+              </a:spcBef>
+              <a:spcAft>
+                <a:spcPts val="0"/>
+              </a:spcAft>
+              <a:buNone/>
+            </a:pPr>
+            <a:r>
+              <a:rPr lang="en-US" sz="1400" dirty="0"/>
+              <a:t>The total download is equally distributed </a:t>
+            </a:r>
+          </a:p>
+          <a:p>
+            <a:pPr marL="0" lvl="0" indent="0" algn="l" rtl="0">
+              <a:spcBef>
+                <a:spcPts val="0"/>
+              </a:spcBef>
+              <a:spcAft>
+                <a:spcPts val="0"/>
+              </a:spcAft>
+              <a:buNone/>
+            </a:pPr>
+            <a:r>
+              <a:rPr lang="en-US" sz="1400" dirty="0"/>
+              <a:t>The total upload is somewhat distributed with more concentration in the middle</a:t>
+            </a:r>
+            <a:endParaRPr lang="en" sz="1400" dirty="0"/>
+          </a:p>
+          <a:p>
+            <a:pPr marL="0" lvl="0" indent="0" algn="l" rtl="0">
+              <a:spcBef>
+                <a:spcPts val="0"/>
+              </a:spcBef>
+              <a:spcAft>
+                <a:spcPts val="0"/>
+              </a:spcAft>
+              <a:buNone/>
+            </a:pPr>
+            <a:endParaRPr dirty="0"/>
+          </a:p>
+          <a:p>
+            <a:pPr marL="0" lvl="0" indent="0" algn="l" rtl="0">
+              <a:spcBef>
+                <a:spcPts val="1200"/>
+              </a:spcBef>
+              <a:spcAft>
+                <a:spcPts val="1200"/>
+              </a:spcAft>
+              <a:buNone/>
+            </a:pPr>
+            <a:endParaRPr dirty="0"/>
+          </a:p>
+        </p:txBody>
+      </p:sp>
+      <p:pic>
+        <p:nvPicPr>
+          <p:cNvPr id="3" name="Picture 2">
+            <a:extLst>
+              <a:ext uri="{FF2B5EF4-FFF2-40B4-BE49-F238E27FC236}">
+                <a16:creationId xmlns:a16="http://schemas.microsoft.com/office/drawing/2014/main" id="{C1AA5B6A-BD34-4701-BE5D-AC093A042433}"/>
+              </a:ext>
+            </a:extLst>
+          </p:cNvPr>
+          <p:cNvPicPr>
+            <a:picLocks noChangeAspect="1"/>
+          </p:cNvPicPr>
+          <p:nvPr/>
+        </p:nvPicPr>
+        <p:blipFill>
+          <a:blip r:embed="rId3"/>
+          <a:stretch>
+            <a:fillRect/>
+          </a:stretch>
+        </p:blipFill>
+        <p:spPr>
+          <a:xfrm>
+            <a:off x="549161" y="1876926"/>
+            <a:ext cx="8102385" cy="1409054"/>
+          </a:xfrm>
+          <a:prstGeom prst="rect">
+            <a:avLst/>
+          </a:prstGeom>
+        </p:spPr>
+      </p:pic>
+      <p:pic>
+        <p:nvPicPr>
+          <p:cNvPr id="5" name="Picture 4">
+            <a:extLst>
+              <a:ext uri="{FF2B5EF4-FFF2-40B4-BE49-F238E27FC236}">
+                <a16:creationId xmlns:a16="http://schemas.microsoft.com/office/drawing/2014/main" id="{657567EA-EED2-4355-A65B-30D3881AE980}"/>
+              </a:ext>
+            </a:extLst>
+          </p:cNvPr>
+          <p:cNvPicPr>
+            <a:picLocks noChangeAspect="1"/>
+          </p:cNvPicPr>
+          <p:nvPr/>
+        </p:nvPicPr>
+        <p:blipFill>
+          <a:blip r:embed="rId4"/>
+          <a:stretch>
+            <a:fillRect/>
+          </a:stretch>
+        </p:blipFill>
+        <p:spPr>
+          <a:xfrm>
+            <a:off x="641685" y="3442248"/>
+            <a:ext cx="7981507" cy="1544984"/>
+          </a:xfrm>
+          <a:prstGeom prst="rect">
+            <a:avLst/>
+          </a:prstGeom>
+        </p:spPr>
+      </p:pic>
+    </p:spTree>
+  </p:cSld>
+  <p:clrMapOvr>
+    <a:masterClrMapping/>
+  </p:clrMapOvr>
+</p:sld>
+</file>
+
+<file path=ppt/slides/slide11.xml><?xml version="1.0" encoding="utf-8"?>
+<p:sld xmlns:a="http://schemas.openxmlformats.org/drawingml/2006/main" xmlns:r="http://schemas.openxmlformats.org/officeDocument/2006/relationships" xmlns:p="http://schemas.openxmlformats.org/presentationml/2006/main">
+  <p:cSld>
+    <p:spTree>
+      <p:nvGrpSpPr>
+        <p:cNvPr id="1" name="Shape 91"/>
+        <p:cNvGrpSpPr/>
+        <p:nvPr/>
+      </p:nvGrpSpPr>
+      <p:grpSpPr>
+        <a:xfrm>
+          <a:off x="0" y="0"/>
+          <a:ext cx="0" cy="0"/>
+          <a:chOff x="0" y="0"/>
+          <a:chExt cx="0" cy="0"/>
+        </a:xfrm>
+      </p:grpSpPr>
+      <p:sp>
+        <p:nvSpPr>
+          <p:cNvPr id="92" name="Google Shape;92;p19"/>
+          <p:cNvSpPr txBox="1">
+            <a:spLocks noGrp="1"/>
+          </p:cNvSpPr>
+          <p:nvPr>
+            <p:ph type="body" idx="1"/>
+          </p:nvPr>
+        </p:nvSpPr>
+        <p:spPr>
+          <a:xfrm>
+            <a:off x="311700" y="120315"/>
+            <a:ext cx="8520600" cy="4916905"/>
+          </a:xfrm>
+          <a:prstGeom prst="rect">
+            <a:avLst/>
+          </a:prstGeom>
+        </p:spPr>
+        <p:txBody>
+          <a:bodyPr spcFirstLastPara="1" wrap="square" lIns="91425" tIns="91425" rIns="91425" bIns="91425" anchor="t" anchorCtr="0">
+            <a:normAutofit/>
+          </a:bodyPr>
+          <a:lstStyle/>
+          <a:p>
+            <a:pPr marL="0" lvl="0" indent="0" algn="l" rtl="0">
+              <a:spcBef>
+                <a:spcPts val="0"/>
+              </a:spcBef>
+              <a:spcAft>
+                <a:spcPts val="0"/>
+              </a:spcAft>
+              <a:buNone/>
+            </a:pPr>
+            <a:r>
+              <a:rPr lang="en" dirty="0"/>
+              <a:t>Google </a:t>
+            </a:r>
+            <a:r>
+              <a:rPr lang="en-US" dirty="0"/>
+              <a:t>plots</a:t>
+            </a:r>
+          </a:p>
+          <a:p>
+            <a:pPr marL="0" lvl="0" indent="0">
+              <a:buNone/>
+            </a:pPr>
+            <a:r>
+              <a:rPr lang="en-US" sz="1400" dirty="0"/>
+              <a:t>The duration for both is mostly concentrated between 0-0.5 </a:t>
+            </a:r>
+            <a:r>
+              <a:rPr lang="en-US" sz="1400" dirty="0" err="1"/>
+              <a:t>ms</a:t>
+            </a:r>
+            <a:endParaRPr lang="en-US" sz="1400" dirty="0"/>
+          </a:p>
+          <a:p>
+            <a:pPr marL="0" lvl="0" indent="0">
+              <a:buNone/>
+            </a:pPr>
+            <a:r>
+              <a:rPr lang="en-US" sz="1400" dirty="0"/>
+              <a:t>The total download is equally distributed </a:t>
+            </a:r>
+          </a:p>
+          <a:p>
+            <a:pPr marL="0" lvl="0" indent="0">
+              <a:buNone/>
+            </a:pPr>
+            <a:r>
+              <a:rPr lang="en-US" sz="1400" dirty="0"/>
+              <a:t>The total upload is somewhat distributed with more concentration in the middle</a:t>
+            </a:r>
+            <a:endParaRPr lang="en" sz="1400" dirty="0"/>
+          </a:p>
+          <a:p>
+            <a:pPr marL="0" lvl="0" indent="0" algn="l" rtl="0">
+              <a:spcBef>
+                <a:spcPts val="0"/>
+              </a:spcBef>
+              <a:spcAft>
+                <a:spcPts val="0"/>
+              </a:spcAft>
+              <a:buNone/>
+            </a:pPr>
+            <a:endParaRPr dirty="0"/>
+          </a:p>
+          <a:p>
+            <a:pPr marL="0" lvl="0" indent="0" algn="l" rtl="0">
+              <a:spcBef>
+                <a:spcPts val="1200"/>
+              </a:spcBef>
+              <a:spcAft>
+                <a:spcPts val="1200"/>
+              </a:spcAft>
+              <a:buNone/>
+            </a:pPr>
+            <a:endParaRPr dirty="0"/>
+          </a:p>
+        </p:txBody>
+      </p:sp>
+      <p:pic>
+        <p:nvPicPr>
+          <p:cNvPr id="3" name="Picture 2">
+            <a:extLst>
+              <a:ext uri="{FF2B5EF4-FFF2-40B4-BE49-F238E27FC236}">
+                <a16:creationId xmlns:a16="http://schemas.microsoft.com/office/drawing/2014/main" id="{23837376-628B-4E2D-9CF0-D2CFFAA7A9DA}"/>
+              </a:ext>
+            </a:extLst>
+          </p:cNvPr>
+          <p:cNvPicPr>
+            <a:picLocks noChangeAspect="1"/>
+          </p:cNvPicPr>
+          <p:nvPr/>
+        </p:nvPicPr>
+        <p:blipFill>
+          <a:blip r:embed="rId3"/>
+          <a:stretch>
+            <a:fillRect/>
+          </a:stretch>
+        </p:blipFill>
+        <p:spPr>
+          <a:xfrm>
+            <a:off x="906377" y="3205413"/>
+            <a:ext cx="7331243" cy="1495354"/>
+          </a:xfrm>
+          <a:prstGeom prst="rect">
+            <a:avLst/>
+          </a:prstGeom>
+        </p:spPr>
+      </p:pic>
+      <p:pic>
+        <p:nvPicPr>
+          <p:cNvPr id="5" name="Picture 4">
+            <a:extLst>
+              <a:ext uri="{FF2B5EF4-FFF2-40B4-BE49-F238E27FC236}">
+                <a16:creationId xmlns:a16="http://schemas.microsoft.com/office/drawing/2014/main" id="{140D4F17-6722-4BE8-8314-45AA224DB91C}"/>
+              </a:ext>
+            </a:extLst>
+          </p:cNvPr>
+          <p:cNvPicPr>
+            <a:picLocks noChangeAspect="1"/>
+          </p:cNvPicPr>
+          <p:nvPr/>
+        </p:nvPicPr>
+        <p:blipFill>
+          <a:blip r:embed="rId4"/>
+          <a:stretch>
+            <a:fillRect/>
+          </a:stretch>
+        </p:blipFill>
+        <p:spPr>
+          <a:xfrm>
+            <a:off x="906377" y="1583873"/>
+            <a:ext cx="7331243" cy="1415142"/>
+          </a:xfrm>
+          <a:prstGeom prst="rect">
+            <a:avLst/>
+          </a:prstGeom>
+        </p:spPr>
+      </p:pic>
+    </p:spTree>
+  </p:cSld>
+  <p:clrMapOvr>
+    <a:masterClrMapping/>
+  </p:clrMapOvr>
+</p:sld>
+</file>
+
+<file path=ppt/slides/slide12.xml><?xml version="1.0" encoding="utf-8"?>
+<p:sld xmlns:a="http://schemas.openxmlformats.org/drawingml/2006/main" xmlns:r="http://schemas.openxmlformats.org/officeDocument/2006/relationships" xmlns:p="http://schemas.openxmlformats.org/presentationml/2006/main">
+  <p:cSld>
+    <p:spTree>
+      <p:nvGrpSpPr>
         <p:cNvPr id="1" name="Shape 103"/>
         <p:cNvGrpSpPr/>
         <p:nvPr/>
@@ -7215,7 +8311,7 @@
 </p:sld>
 </file>
 
-<file path=ppt/slides/slide11.xml><?xml version="1.0" encoding="utf-8"?>
+<file path=ppt/slides/slide13.xml><?xml version="1.0" encoding="utf-8"?>
 <p:sld xmlns:a="http://schemas.openxmlformats.org/drawingml/2006/main" xmlns:r="http://schemas.openxmlformats.org/officeDocument/2006/relationships" xmlns:p="http://schemas.openxmlformats.org/presentationml/2006/main">
   <p:cSld>
     <p:spTree>
@@ -7391,7 +8487,7 @@
 </p:sld>
 </file>
 
-<file path=ppt/slides/slide12.xml><?xml version="1.0" encoding="utf-8"?>
+<file path=ppt/slides/slide14.xml><?xml version="1.0" encoding="utf-8"?>
 <p:sld xmlns:a="http://schemas.openxmlformats.org/drawingml/2006/main" xmlns:r="http://schemas.openxmlformats.org/officeDocument/2006/relationships" xmlns:p="http://schemas.openxmlformats.org/presentationml/2006/main">
   <p:cSld>
     <p:spTree>
@@ -7567,7 +8663,7 @@
 </p:sld>
 </file>
 
-<file path=ppt/slides/slide13.xml><?xml version="1.0" encoding="utf-8"?>
+<file path=ppt/slides/slide15.xml><?xml version="1.0" encoding="utf-8"?>
 <p:sld xmlns:a="http://schemas.openxmlformats.org/drawingml/2006/main" xmlns:r="http://schemas.openxmlformats.org/officeDocument/2006/relationships" xmlns:p="http://schemas.openxmlformats.org/presentationml/2006/main">
   <p:cSld>
     <p:spTree>
@@ -7743,12 +8839,12 @@
 </p:sld>
 </file>
 
-<file path=ppt/slides/slide14.xml><?xml version="1.0" encoding="utf-8"?>
+<file path=ppt/slides/slide16.xml><?xml version="1.0" encoding="utf-8"?>
 <p:sld xmlns:a="http://schemas.openxmlformats.org/drawingml/2006/main" xmlns:r="http://schemas.openxmlformats.org/officeDocument/2006/relationships" xmlns:p="http://schemas.openxmlformats.org/presentationml/2006/main">
   <p:cSld>
     <p:spTree>
       <p:nvGrpSpPr>
-        <p:cNvPr id="1" name=""/>
+        <p:cNvPr id="1" name="Shape 139"/>
         <p:cNvGrpSpPr/>
         <p:nvPr/>
       </p:nvGrpSpPr>
@@ -7762,108 +8858,979 @@
       </p:grpSpPr>
       <p:sp>
         <p:nvSpPr>
-          <p:cNvPr id="2" name="Title 1">
-            <a:extLst>
-              <a:ext uri="{FF2B5EF4-FFF2-40B4-BE49-F238E27FC236}">
-                <a16:creationId xmlns:a16="http://schemas.microsoft.com/office/drawing/2014/main" id="{A044B497-44B4-41C2-90E4-2DFDA25CB7C8}"/>
-              </a:ext>
-            </a:extLst>
-          </p:cNvPr>
-          <p:cNvSpPr>
-            <a:spLocks noGrp="1"/>
-          </p:cNvSpPr>
-          <p:nvPr>
-            <p:ph type="title"/>
-          </p:nvPr>
-        </p:nvSpPr>
-        <p:spPr/>
-        <p:txBody>
-          <a:bodyPr>
-            <a:normAutofit fontScale="90000"/>
-          </a:bodyPr>
-          <a:lstStyle/>
-          <a:p>
-            <a:r>
-              <a:rPr lang="en-US" dirty="0"/>
-              <a:t>Creator</a:t>
-            </a:r>
-            <a:endParaRPr lang="LID4096" dirty="0"/>
-          </a:p>
-        </p:txBody>
-      </p:sp>
-      <p:sp>
-        <p:nvSpPr>
-          <p:cNvPr id="3" name="Text Placeholder 2">
-            <a:extLst>
-              <a:ext uri="{FF2B5EF4-FFF2-40B4-BE49-F238E27FC236}">
-                <a16:creationId xmlns:a16="http://schemas.microsoft.com/office/drawing/2014/main" id="{6461FE8C-6834-41BF-9619-2A5046EBE2FC}"/>
-              </a:ext>
-            </a:extLst>
-          </p:cNvPr>
-          <p:cNvSpPr>
+          <p:cNvPr id="140" name="Google Shape;140;p27"/>
+          <p:cNvSpPr txBox="1">
             <a:spLocks noGrp="1"/>
           </p:cNvSpPr>
           <p:nvPr>
             <p:ph type="body" idx="1"/>
           </p:nvPr>
         </p:nvSpPr>
-        <p:spPr/>
+        <p:spPr>
+          <a:xfrm>
+            <a:off x="219725" y="128337"/>
+            <a:ext cx="8520600" cy="4892842"/>
+          </a:xfrm>
+          <a:prstGeom prst="rect">
+            <a:avLst/>
+          </a:prstGeom>
+        </p:spPr>
         <p:txBody>
-          <a:bodyPr/>
+          <a:bodyPr spcFirstLastPara="1" wrap="square" lIns="91425" tIns="91425" rIns="91425" bIns="91425" anchor="t" anchorCtr="0">
+            <a:normAutofit/>
+          </a:bodyPr>
           <a:lstStyle/>
           <a:p>
-            <a:pPr marL="114300" indent="0">
+            <a:pPr marL="0" lvl="0" indent="0" algn="l" rtl="0">
+              <a:spcBef>
+                <a:spcPts val="0"/>
+              </a:spcBef>
+              <a:spcAft>
+                <a:spcPts val="0"/>
+              </a:spcAft>
               <a:buNone/>
             </a:pPr>
             <a:r>
               <a:rPr lang="en-US" dirty="0"/>
-              <a:t>Names: Floris Nzabakira</a:t>
+              <a:t>Optimal cluster values using elbow data</a:t>
             </a:r>
           </a:p>
           <a:p>
-            <a:pPr marL="114300" indent="0">
+            <a:pPr marL="0" lvl="0" indent="0" algn="l" rtl="0">
+              <a:spcBef>
+                <a:spcPts val="0"/>
+              </a:spcBef>
+              <a:spcAft>
+                <a:spcPts val="0"/>
+              </a:spcAft>
+              <a:buNone/>
+            </a:pPr>
+            <a:r>
+              <a:rPr lang="en-US" sz="1400" dirty="0"/>
+              <a:t>Using elbow method, the best classifications counts to be found from our data are 3 as seen from the graph.</a:t>
+            </a:r>
+          </a:p>
+        </p:txBody>
+      </p:sp>
+      <p:pic>
+        <p:nvPicPr>
+          <p:cNvPr id="3" name="Picture 2">
+            <a:extLst>
+              <a:ext uri="{FF2B5EF4-FFF2-40B4-BE49-F238E27FC236}">
+                <a16:creationId xmlns:a16="http://schemas.microsoft.com/office/drawing/2014/main" id="{EA3C5F36-D961-4840-8CDA-F4093FA83A59}"/>
+              </a:ext>
+            </a:extLst>
+          </p:cNvPr>
+          <p:cNvPicPr>
+            <a:picLocks noChangeAspect="1"/>
+          </p:cNvPicPr>
+          <p:nvPr/>
+        </p:nvPicPr>
+        <p:blipFill>
+          <a:blip r:embed="rId3"/>
+          <a:stretch>
+            <a:fillRect/>
+          </a:stretch>
+        </p:blipFill>
+        <p:spPr>
+          <a:xfrm>
+            <a:off x="403674" y="1190171"/>
+            <a:ext cx="7405011" cy="3686215"/>
+          </a:xfrm>
+          <a:prstGeom prst="rect">
+            <a:avLst/>
+          </a:prstGeom>
+        </p:spPr>
+      </p:pic>
+    </p:spTree>
+    <p:extLst>
+      <p:ext uri="{BB962C8B-B14F-4D97-AF65-F5344CB8AC3E}">
+        <p14:creationId xmlns:p14="http://schemas.microsoft.com/office/powerpoint/2010/main" val="625221389"/>
+      </p:ext>
+    </p:extLst>
+  </p:cSld>
+  <p:clrMapOvr>
+    <a:masterClrMapping/>
+  </p:clrMapOvr>
+</p:sld>
+</file>
+
+<file path=ppt/slides/slide17.xml><?xml version="1.0" encoding="utf-8"?>
+<p:sld xmlns:a="http://schemas.openxmlformats.org/drawingml/2006/main" xmlns:r="http://schemas.openxmlformats.org/officeDocument/2006/relationships" xmlns:p="http://schemas.openxmlformats.org/presentationml/2006/main">
+  <p:cSld>
+    <p:spTree>
+      <p:nvGrpSpPr>
+        <p:cNvPr id="1" name="Shape 139"/>
+        <p:cNvGrpSpPr/>
+        <p:nvPr/>
+      </p:nvGrpSpPr>
+      <p:grpSpPr>
+        <a:xfrm>
+          <a:off x="0" y="0"/>
+          <a:ext cx="0" cy="0"/>
+          <a:chOff x="0" y="0"/>
+          <a:chExt cx="0" cy="0"/>
+        </a:xfrm>
+      </p:grpSpPr>
+      <p:sp>
+        <p:nvSpPr>
+          <p:cNvPr id="140" name="Google Shape;140;p27"/>
+          <p:cNvSpPr txBox="1">
+            <a:spLocks noGrp="1"/>
+          </p:cNvSpPr>
+          <p:nvPr>
+            <p:ph type="body" idx="1"/>
+          </p:nvPr>
+        </p:nvSpPr>
+        <p:spPr>
+          <a:xfrm>
+            <a:off x="219725" y="128337"/>
+            <a:ext cx="8520600" cy="4892842"/>
+          </a:xfrm>
+          <a:prstGeom prst="rect">
+            <a:avLst/>
+          </a:prstGeom>
+        </p:spPr>
+        <p:txBody>
+          <a:bodyPr spcFirstLastPara="1" wrap="square" lIns="91425" tIns="91425" rIns="91425" bIns="91425" anchor="t" anchorCtr="0">
+            <a:normAutofit/>
+          </a:bodyPr>
+          <a:lstStyle/>
+          <a:p>
+            <a:pPr marL="0" lvl="0" indent="0" algn="l" rtl="0">
+              <a:spcBef>
+                <a:spcPts val="0"/>
+              </a:spcBef>
+              <a:spcAft>
+                <a:spcPts val="0"/>
+              </a:spcAft>
               <a:buNone/>
             </a:pPr>
             <a:r>
               <a:rPr lang="en-US" dirty="0"/>
-              <a:t>Email: </a:t>
+              <a:t>Engagement Clusters</a:t>
             </a:r>
-            <a:r>
-              <a:rPr lang="en-US" dirty="0">
-                <a:hlinkClick r:id="rId2"/>
-              </a:rPr>
-              <a:t>nzafloris@gmail.com</a:t>
-            </a:r>
-            <a:endParaRPr lang="en-US" dirty="0"/>
           </a:p>
           <a:p>
-            <a:pPr marL="114300" indent="0">
+            <a:pPr marL="0" lvl="0" indent="0" algn="l" rtl="0">
+              <a:spcBef>
+                <a:spcPts val="0"/>
+              </a:spcBef>
+              <a:spcAft>
+                <a:spcPts val="0"/>
+              </a:spcAft>
+              <a:buNone/>
+            </a:pPr>
+            <a:r>
+              <a:rPr lang="en-US" sz="1400" dirty="0"/>
+              <a:t>From the graph, we observe the most engaged customers belong to cluster 1</a:t>
+            </a:r>
+            <a:endParaRPr sz="1400" dirty="0"/>
+          </a:p>
+          <a:p>
+            <a:pPr marL="0" lvl="0" indent="0" algn="l" rtl="0">
+              <a:spcBef>
+                <a:spcPts val="1200"/>
+              </a:spcBef>
+              <a:spcAft>
+                <a:spcPts val="1200"/>
+              </a:spcAft>
+              <a:buNone/>
+            </a:pPr>
+            <a:endParaRPr sz="1400" dirty="0"/>
+          </a:p>
+        </p:txBody>
+      </p:sp>
+      <p:pic>
+        <p:nvPicPr>
+          <p:cNvPr id="6" name="Picture 5">
+            <a:extLst>
+              <a:ext uri="{FF2B5EF4-FFF2-40B4-BE49-F238E27FC236}">
+                <a16:creationId xmlns:a16="http://schemas.microsoft.com/office/drawing/2014/main" id="{CF45742F-0DB6-4195-BA6E-1BA53C9A0806}"/>
+              </a:ext>
+            </a:extLst>
+          </p:cNvPr>
+          <p:cNvPicPr>
+            <a:picLocks noChangeAspect="1"/>
+          </p:cNvPicPr>
+          <p:nvPr/>
+        </p:nvPicPr>
+        <p:blipFill>
+          <a:blip r:embed="rId3"/>
+          <a:stretch>
+            <a:fillRect/>
+          </a:stretch>
+        </p:blipFill>
+        <p:spPr>
+          <a:xfrm>
+            <a:off x="403675" y="1016194"/>
+            <a:ext cx="3602268" cy="3111111"/>
+          </a:xfrm>
+          <a:prstGeom prst="rect">
+            <a:avLst/>
+          </a:prstGeom>
+        </p:spPr>
+      </p:pic>
+      <p:pic>
+        <p:nvPicPr>
+          <p:cNvPr id="8" name="Picture 7">
+            <a:extLst>
+              <a:ext uri="{FF2B5EF4-FFF2-40B4-BE49-F238E27FC236}">
+                <a16:creationId xmlns:a16="http://schemas.microsoft.com/office/drawing/2014/main" id="{FA79458F-24FA-432D-A5D1-65FF38D8AA90}"/>
+              </a:ext>
+            </a:extLst>
+          </p:cNvPr>
+          <p:cNvPicPr>
+            <a:picLocks noChangeAspect="1"/>
+          </p:cNvPicPr>
+          <p:nvPr/>
+        </p:nvPicPr>
+        <p:blipFill>
+          <a:blip r:embed="rId4"/>
+          <a:stretch>
+            <a:fillRect/>
+          </a:stretch>
+        </p:blipFill>
+        <p:spPr>
+          <a:xfrm>
+            <a:off x="4277080" y="1016194"/>
+            <a:ext cx="4192107" cy="3294549"/>
+          </a:xfrm>
+          <a:prstGeom prst="rect">
+            <a:avLst/>
+          </a:prstGeom>
+        </p:spPr>
+      </p:pic>
+    </p:spTree>
+    <p:extLst>
+      <p:ext uri="{BB962C8B-B14F-4D97-AF65-F5344CB8AC3E}">
+        <p14:creationId xmlns:p14="http://schemas.microsoft.com/office/powerpoint/2010/main" val="807495160"/>
+      </p:ext>
+    </p:extLst>
+  </p:cSld>
+  <p:clrMapOvr>
+    <a:masterClrMapping/>
+  </p:clrMapOvr>
+</p:sld>
+</file>
+
+<file path=ppt/slides/slide18.xml><?xml version="1.0" encoding="utf-8"?>
+<p:sld xmlns:a="http://schemas.openxmlformats.org/drawingml/2006/main" xmlns:r="http://schemas.openxmlformats.org/officeDocument/2006/relationships" xmlns:p="http://schemas.openxmlformats.org/presentationml/2006/main">
+  <p:cSld>
+    <p:spTree>
+      <p:nvGrpSpPr>
+        <p:cNvPr id="1" name="Shape 139"/>
+        <p:cNvGrpSpPr/>
+        <p:nvPr/>
+      </p:nvGrpSpPr>
+      <p:grpSpPr>
+        <a:xfrm>
+          <a:off x="0" y="0"/>
+          <a:ext cx="0" cy="0"/>
+          <a:chOff x="0" y="0"/>
+          <a:chExt cx="0" cy="0"/>
+        </a:xfrm>
+      </p:grpSpPr>
+      <p:sp>
+        <p:nvSpPr>
+          <p:cNvPr id="140" name="Google Shape;140;p27"/>
+          <p:cNvSpPr txBox="1">
+            <a:spLocks noGrp="1"/>
+          </p:cNvSpPr>
+          <p:nvPr>
+            <p:ph type="body" idx="1"/>
+          </p:nvPr>
+        </p:nvSpPr>
+        <p:spPr>
+          <a:xfrm>
+            <a:off x="219725" y="128337"/>
+            <a:ext cx="8520600" cy="4892842"/>
+          </a:xfrm>
+          <a:prstGeom prst="rect">
+            <a:avLst/>
+          </a:prstGeom>
+        </p:spPr>
+        <p:txBody>
+          <a:bodyPr spcFirstLastPara="1" wrap="square" lIns="91425" tIns="91425" rIns="91425" bIns="91425" anchor="t" anchorCtr="0">
+            <a:normAutofit/>
+          </a:bodyPr>
+          <a:lstStyle/>
+          <a:p>
+            <a:pPr marL="0" lvl="0" indent="0" algn="l" rtl="0">
+              <a:spcBef>
+                <a:spcPts val="0"/>
+              </a:spcBef>
+              <a:spcAft>
+                <a:spcPts val="0"/>
+              </a:spcAft>
               <a:buNone/>
             </a:pPr>
             <a:r>
               <a:rPr lang="en-US" dirty="0"/>
-              <a:t>GitHub: </a:t>
+              <a:t>Engagement Clusters</a:t>
             </a:r>
-            <a:r>
-              <a:rPr lang="en-US" dirty="0">
-                <a:hlinkClick r:id="rId3"/>
-              </a:rPr>
-              <a:t>https://github.com/Kira-Floris/TellCo</a:t>
-            </a:r>
-            <a:endParaRPr lang="en-US" dirty="0"/>
           </a:p>
           <a:p>
-            <a:pPr marL="114300" indent="0">
+            <a:pPr marL="0" lvl="0" indent="0" algn="l" rtl="0">
+              <a:spcBef>
+                <a:spcPts val="0"/>
+              </a:spcBef>
+              <a:spcAft>
+                <a:spcPts val="0"/>
+              </a:spcAft>
               <a:buNone/>
             </a:pPr>
-            <a:endParaRPr lang="en-US" dirty="0"/>
+            <a:r>
+              <a:rPr lang="en-US" sz="1400" dirty="0"/>
+              <a:t>From the graph, we observe the most engaged customers belong to cluster 1</a:t>
+            </a:r>
+            <a:endParaRPr sz="1400" dirty="0"/>
+          </a:p>
+          <a:p>
+            <a:pPr marL="0" lvl="0" indent="0" algn="l" rtl="0">
+              <a:spcBef>
+                <a:spcPts val="1200"/>
+              </a:spcBef>
+              <a:spcAft>
+                <a:spcPts val="1200"/>
+              </a:spcAft>
+              <a:buNone/>
+            </a:pPr>
+            <a:r>
+              <a:rPr lang="en-US" sz="1400" dirty="0"/>
+              <a:t>Descriptions about mean for each cluster:</a:t>
+            </a:r>
+          </a:p>
+          <a:p>
+            <a:pPr marL="0" lvl="0" indent="0" algn="l" rtl="0">
+              <a:spcBef>
+                <a:spcPts val="1200"/>
+              </a:spcBef>
+              <a:spcAft>
+                <a:spcPts val="1200"/>
+              </a:spcAft>
+              <a:buNone/>
+            </a:pPr>
+            <a:endParaRPr lang="en-US" sz="1400" dirty="0"/>
           </a:p>
         </p:txBody>
       </p:sp>
+      <p:graphicFrame>
+        <p:nvGraphicFramePr>
+          <p:cNvPr id="4" name="Table 4">
+            <a:extLst>
+              <a:ext uri="{FF2B5EF4-FFF2-40B4-BE49-F238E27FC236}">
+                <a16:creationId xmlns:a16="http://schemas.microsoft.com/office/drawing/2014/main" id="{9C3A81B8-800C-4B9F-B594-19E7A7BDFF9E}"/>
+              </a:ext>
+            </a:extLst>
+          </p:cNvPr>
+          <p:cNvGraphicFramePr>
+            <a:graphicFrameLocks noGrp="1"/>
+          </p:cNvGraphicFramePr>
+          <p:nvPr>
+            <p:extLst>
+              <p:ext uri="{D42A27DB-BD31-4B8C-83A1-F6EECF244321}">
+                <p14:modId xmlns:p14="http://schemas.microsoft.com/office/powerpoint/2010/main" val="774982134"/>
+              </p:ext>
+            </p:extLst>
+          </p:nvPr>
+        </p:nvGraphicFramePr>
+        <p:xfrm>
+          <a:off x="667657" y="1421244"/>
+          <a:ext cx="6096000" cy="2068500"/>
+        </p:xfrm>
+        <a:graphic>
+          <a:graphicData uri="http://schemas.openxmlformats.org/drawingml/2006/table">
+            <a:tbl>
+              <a:tblPr firstRow="1" bandRow="1">
+                <a:tableStyleId>{56E3686E-7A96-46EA-B2AB-A12E4A4FF070}</a:tableStyleId>
+              </a:tblPr>
+              <a:tblGrid>
+                <a:gridCol w="1524000">
+                  <a:extLst>
+                    <a:ext uri="{9D8B030D-6E8A-4147-A177-3AD203B41FA5}">
+                      <a16:colId xmlns:a16="http://schemas.microsoft.com/office/drawing/2014/main" val="1289354860"/>
+                    </a:ext>
+                  </a:extLst>
+                </a:gridCol>
+                <a:gridCol w="1524000">
+                  <a:extLst>
+                    <a:ext uri="{9D8B030D-6E8A-4147-A177-3AD203B41FA5}">
+                      <a16:colId xmlns:a16="http://schemas.microsoft.com/office/drawing/2014/main" val="380023733"/>
+                    </a:ext>
+                  </a:extLst>
+                </a:gridCol>
+                <a:gridCol w="1524000">
+                  <a:extLst>
+                    <a:ext uri="{9D8B030D-6E8A-4147-A177-3AD203B41FA5}">
+                      <a16:colId xmlns:a16="http://schemas.microsoft.com/office/drawing/2014/main" val="1978858990"/>
+                    </a:ext>
+                  </a:extLst>
+                </a:gridCol>
+                <a:gridCol w="1524000">
+                  <a:extLst>
+                    <a:ext uri="{9D8B030D-6E8A-4147-A177-3AD203B41FA5}">
+                      <a16:colId xmlns:a16="http://schemas.microsoft.com/office/drawing/2014/main" val="254683379"/>
+                    </a:ext>
+                  </a:extLst>
+                </a:gridCol>
+              </a:tblGrid>
+              <a:tr h="310135">
+                <a:tc>
+                  <a:txBody>
+                    <a:bodyPr/>
+                    <a:lstStyle/>
+                    <a:p>
+                      <a:r>
+                        <a:rPr lang="en-US" dirty="0"/>
+                        <a:t>Variables</a:t>
+                      </a:r>
+                      <a:endParaRPr lang="LID4096" dirty="0"/>
+                    </a:p>
+                  </a:txBody>
+                  <a:tcPr/>
+                </a:tc>
+                <a:tc>
+                  <a:txBody>
+                    <a:bodyPr/>
+                    <a:lstStyle/>
+                    <a:p>
+                      <a:r>
+                        <a:rPr lang="en-US" dirty="0"/>
+                        <a:t>Mean cluster 1</a:t>
+                      </a:r>
+                      <a:endParaRPr lang="LID4096" dirty="0"/>
+                    </a:p>
+                  </a:txBody>
+                  <a:tcPr/>
+                </a:tc>
+                <a:tc>
+                  <a:txBody>
+                    <a:bodyPr/>
+                    <a:lstStyle/>
+                    <a:p>
+                      <a:r>
+                        <a:rPr lang="en-US" dirty="0"/>
+                        <a:t>Mean cluster 0 </a:t>
+                      </a:r>
+                      <a:endParaRPr lang="LID4096" dirty="0"/>
+                    </a:p>
+                  </a:txBody>
+                  <a:tcPr/>
+                </a:tc>
+                <a:tc>
+                  <a:txBody>
+                    <a:bodyPr/>
+                    <a:lstStyle/>
+                    <a:p>
+                      <a:r>
+                        <a:rPr lang="en-US" dirty="0"/>
+                        <a:t>Mean cluster 2</a:t>
+                      </a:r>
+                      <a:endParaRPr lang="LID4096" dirty="0"/>
+                    </a:p>
+                  </a:txBody>
+                  <a:tcPr/>
+                </a:tc>
+                <a:extLst>
+                  <a:ext uri="{0D108BD9-81ED-4DB2-BD59-A6C34878D82A}">
+                    <a16:rowId xmlns:a16="http://schemas.microsoft.com/office/drawing/2014/main" val="2059103124"/>
+                  </a:ext>
+                </a:extLst>
+              </a:tr>
+              <a:tr h="310135">
+                <a:tc>
+                  <a:txBody>
+                    <a:bodyPr/>
+                    <a:lstStyle/>
+                    <a:p>
+                      <a:r>
+                        <a:rPr lang="en-US" dirty="0"/>
+                        <a:t>Duration </a:t>
+                      </a:r>
+                      <a:endParaRPr lang="LID4096" dirty="0"/>
+                    </a:p>
+                  </a:txBody>
+                  <a:tcPr/>
+                </a:tc>
+                <a:tc>
+                  <a:txBody>
+                    <a:bodyPr/>
+                    <a:lstStyle/>
+                    <a:p>
+                      <a:r>
+                        <a:rPr lang="en-US" dirty="0"/>
+                        <a:t>2.420023e+06</a:t>
+                      </a:r>
+                      <a:endParaRPr lang="LID4096" dirty="0"/>
+                    </a:p>
+                  </a:txBody>
+                  <a:tcPr/>
+                </a:tc>
+                <a:tc>
+                  <a:txBody>
+                    <a:bodyPr/>
+                    <a:lstStyle/>
+                    <a:p>
+                      <a:r>
+                        <a:rPr lang="en-US" dirty="0"/>
+                        <a:t>2.929371e+05</a:t>
+                      </a:r>
+                      <a:endParaRPr lang="LID4096" dirty="0"/>
+                    </a:p>
+                  </a:txBody>
+                  <a:tcPr/>
+                </a:tc>
+                <a:tc>
+                  <a:txBody>
+                    <a:bodyPr/>
+                    <a:lstStyle/>
+                    <a:p>
+                      <a:r>
+                        <a:rPr lang="en-US" dirty="0"/>
+                        <a:t>1.892775e+05</a:t>
+                      </a:r>
+                      <a:endParaRPr lang="LID4096" dirty="0"/>
+                    </a:p>
+                  </a:txBody>
+                  <a:tcPr/>
+                </a:tc>
+                <a:extLst>
+                  <a:ext uri="{0D108BD9-81ED-4DB2-BD59-A6C34878D82A}">
+                    <a16:rowId xmlns:a16="http://schemas.microsoft.com/office/drawing/2014/main" val="1910009001"/>
+                  </a:ext>
+                </a:extLst>
+              </a:tr>
+              <a:tr h="309800">
+                <a:tc>
+                  <a:txBody>
+                    <a:bodyPr/>
+                    <a:lstStyle/>
+                    <a:p>
+                      <a:r>
+                        <a:rPr lang="en-US" dirty="0"/>
+                        <a:t>Total DL</a:t>
+                      </a:r>
+                      <a:endParaRPr lang="LID4096" dirty="0"/>
+                    </a:p>
+                  </a:txBody>
+                  <a:tcPr/>
+                </a:tc>
+                <a:tc>
+                  <a:txBody>
+                    <a:bodyPr/>
+                    <a:lstStyle/>
+                    <a:p>
+                      <a:r>
+                        <a:rPr lang="en-US" dirty="0"/>
+                        <a:t>1.413801e+09</a:t>
+                      </a:r>
+                      <a:endParaRPr lang="LID4096" dirty="0"/>
+                    </a:p>
+                  </a:txBody>
+                  <a:tcPr/>
+                </a:tc>
+                <a:tc>
+                  <a:txBody>
+                    <a:bodyPr/>
+                    <a:lstStyle/>
+                    <a:p>
+                      <a:r>
+                        <a:rPr lang="en-US" dirty="0"/>
+                        <a:t>2.571667e+08</a:t>
+                      </a:r>
+                      <a:endParaRPr lang="LID4096" dirty="0"/>
+                    </a:p>
+                  </a:txBody>
+                  <a:tcPr/>
+                </a:tc>
+                <a:tc>
+                  <a:txBody>
+                    <a:bodyPr/>
+                    <a:lstStyle/>
+                    <a:p>
+                      <a:r>
+                        <a:rPr lang="en-US" dirty="0"/>
+                        <a:t>5.810468e+07</a:t>
+                      </a:r>
+                      <a:endParaRPr lang="LID4096" dirty="0"/>
+                    </a:p>
+                  </a:txBody>
+                  <a:tcPr/>
+                </a:tc>
+                <a:extLst>
+                  <a:ext uri="{0D108BD9-81ED-4DB2-BD59-A6C34878D82A}">
+                    <a16:rowId xmlns:a16="http://schemas.microsoft.com/office/drawing/2014/main" val="3956331968"/>
+                  </a:ext>
+                </a:extLst>
+              </a:tr>
+              <a:tr h="310135">
+                <a:tc>
+                  <a:txBody>
+                    <a:bodyPr/>
+                    <a:lstStyle/>
+                    <a:p>
+                      <a:r>
+                        <a:rPr lang="en-US" dirty="0"/>
+                        <a:t>Total UL</a:t>
+                      </a:r>
+                      <a:endParaRPr lang="LID4096" dirty="0"/>
+                    </a:p>
+                  </a:txBody>
+                  <a:tcPr/>
+                </a:tc>
+                <a:tc>
+                  <a:txBody>
+                    <a:bodyPr/>
+                    <a:lstStyle/>
+                    <a:p>
+                      <a:r>
+                        <a:rPr lang="en-US" dirty="0"/>
+                        <a:t>1.227956e+08</a:t>
+                      </a:r>
+                      <a:endParaRPr lang="LID4096" dirty="0"/>
+                    </a:p>
+                  </a:txBody>
+                  <a:tcPr/>
+                </a:tc>
+                <a:tc>
+                  <a:txBody>
+                    <a:bodyPr/>
+                    <a:lstStyle/>
+                    <a:p>
+                      <a:r>
+                        <a:rPr lang="en-US" dirty="0"/>
+                        <a:t>6.307089e+07</a:t>
+                      </a:r>
+                      <a:endParaRPr lang="LID4096" dirty="0"/>
+                    </a:p>
+                  </a:txBody>
+                  <a:tcPr/>
+                </a:tc>
+                <a:tc>
+                  <a:txBody>
+                    <a:bodyPr/>
+                    <a:lstStyle/>
+                    <a:p>
+                      <a:r>
+                        <a:rPr lang="en-US" dirty="0"/>
+                        <a:t>4.466235e+07</a:t>
+                      </a:r>
+                      <a:endParaRPr lang="LID4096" dirty="0"/>
+                    </a:p>
+                  </a:txBody>
+                  <a:tcPr/>
+                </a:tc>
+                <a:extLst>
+                  <a:ext uri="{0D108BD9-81ED-4DB2-BD59-A6C34878D82A}">
+                    <a16:rowId xmlns:a16="http://schemas.microsoft.com/office/drawing/2014/main" val="441712311"/>
+                  </a:ext>
+                </a:extLst>
+              </a:tr>
+              <a:tr h="310135">
+                <a:tc>
+                  <a:txBody>
+                    <a:bodyPr/>
+                    <a:lstStyle/>
+                    <a:p>
+                      <a:r>
+                        <a:rPr lang="en-US" dirty="0"/>
+                        <a:t>Decile </a:t>
+                      </a:r>
+                      <a:endParaRPr lang="LID4096" dirty="0"/>
+                    </a:p>
+                  </a:txBody>
+                  <a:tcPr/>
+                </a:tc>
+                <a:tc>
+                  <a:txBody>
+                    <a:bodyPr/>
+                    <a:lstStyle/>
+                    <a:p>
+                      <a:r>
+                        <a:rPr lang="en-US" dirty="0"/>
+                        <a:t>1.116656e+04</a:t>
+                      </a:r>
+                      <a:endParaRPr lang="LID4096" dirty="0"/>
+                    </a:p>
+                  </a:txBody>
+                  <a:tcPr/>
+                </a:tc>
+                <a:tc>
+                  <a:txBody>
+                    <a:bodyPr/>
+                    <a:lstStyle/>
+                    <a:p>
+                      <a:r>
+                        <a:rPr lang="en-US" dirty="0"/>
+                        <a:t>1.659390e+03</a:t>
+                      </a:r>
+                      <a:endParaRPr lang="LID4096" dirty="0"/>
+                    </a:p>
+                  </a:txBody>
+                  <a:tcPr/>
+                </a:tc>
+                <a:tc>
+                  <a:txBody>
+                    <a:bodyPr/>
+                    <a:lstStyle/>
+                    <a:p>
+                      <a:r>
+                        <a:rPr lang="en-US" dirty="0"/>
+                        <a:t>4.729893e+02</a:t>
+                      </a:r>
+                      <a:endParaRPr lang="LID4096" dirty="0"/>
+                    </a:p>
+                  </a:txBody>
+                  <a:tcPr/>
+                </a:tc>
+                <a:extLst>
+                  <a:ext uri="{0D108BD9-81ED-4DB2-BD59-A6C34878D82A}">
+                    <a16:rowId xmlns:a16="http://schemas.microsoft.com/office/drawing/2014/main" val="3885644734"/>
+                  </a:ext>
+                </a:extLst>
+              </a:tr>
+              <a:tr h="433340">
+                <a:tc>
+                  <a:txBody>
+                    <a:bodyPr/>
+                    <a:lstStyle/>
+                    <a:p>
+                      <a:r>
+                        <a:rPr lang="en-US" dirty="0"/>
+                        <a:t>Satisfaction score</a:t>
+                      </a:r>
+                      <a:endParaRPr lang="LID4096" dirty="0"/>
+                    </a:p>
+                  </a:txBody>
+                  <a:tcPr/>
+                </a:tc>
+                <a:tc>
+                  <a:txBody>
+                    <a:bodyPr/>
+                    <a:lstStyle/>
+                    <a:p>
+                      <a:r>
+                        <a:rPr lang="en-US" dirty="0"/>
+                        <a:t>2.163723e+09</a:t>
+                      </a:r>
+                      <a:endParaRPr lang="LID4096" dirty="0"/>
+                    </a:p>
+                  </a:txBody>
+                  <a:tcPr/>
+                </a:tc>
+                <a:tc>
+                  <a:txBody>
+                    <a:bodyPr/>
+                    <a:lstStyle/>
+                    <a:p>
+                      <a:r>
+                        <a:rPr lang="en-US" dirty="0"/>
+                        <a:t>4.536743e+08</a:t>
+                      </a:r>
+                      <a:endParaRPr lang="LID4096" dirty="0"/>
+                    </a:p>
+                  </a:txBody>
+                  <a:tcPr/>
+                </a:tc>
+                <a:tc>
+                  <a:txBody>
+                    <a:bodyPr/>
+                    <a:lstStyle/>
+                    <a:p>
+                      <a:r>
+                        <a:rPr lang="en-US" dirty="0"/>
+                        <a:t>1.456310e+08</a:t>
+                      </a:r>
+                      <a:endParaRPr lang="LID4096" dirty="0"/>
+                    </a:p>
+                  </a:txBody>
+                  <a:tcPr/>
+                </a:tc>
+                <a:extLst>
+                  <a:ext uri="{0D108BD9-81ED-4DB2-BD59-A6C34878D82A}">
+                    <a16:rowId xmlns:a16="http://schemas.microsoft.com/office/drawing/2014/main" val="698124697"/>
+                  </a:ext>
+                </a:extLst>
+              </a:tr>
+            </a:tbl>
+          </a:graphicData>
+        </a:graphic>
+      </p:graphicFrame>
     </p:spTree>
     <p:extLst>
       <p:ext uri="{BB962C8B-B14F-4D97-AF65-F5344CB8AC3E}">
-        <p14:creationId xmlns:p14="http://schemas.microsoft.com/office/powerpoint/2010/main" val="4124455883"/>
+        <p14:creationId xmlns:p14="http://schemas.microsoft.com/office/powerpoint/2010/main" val="3429007195"/>
+      </p:ext>
+    </p:extLst>
+  </p:cSld>
+  <p:clrMapOvr>
+    <a:masterClrMapping/>
+  </p:clrMapOvr>
+</p:sld>
+</file>
+
+<file path=ppt/slides/slide19.xml><?xml version="1.0" encoding="utf-8"?>
+<p:sld xmlns:a="http://schemas.openxmlformats.org/drawingml/2006/main" xmlns:r="http://schemas.openxmlformats.org/officeDocument/2006/relationships" xmlns:p="http://schemas.openxmlformats.org/presentationml/2006/main">
+  <p:cSld>
+    <p:spTree>
+      <p:nvGrpSpPr>
+        <p:cNvPr id="1" name="Shape 139"/>
+        <p:cNvGrpSpPr/>
+        <p:nvPr/>
+      </p:nvGrpSpPr>
+      <p:grpSpPr>
+        <a:xfrm>
+          <a:off x="0" y="0"/>
+          <a:ext cx="0" cy="0"/>
+          <a:chOff x="0" y="0"/>
+          <a:chExt cx="0" cy="0"/>
+        </a:xfrm>
+      </p:grpSpPr>
+      <p:sp>
+        <p:nvSpPr>
+          <p:cNvPr id="140" name="Google Shape;140;p27"/>
+          <p:cNvSpPr txBox="1">
+            <a:spLocks noGrp="1"/>
+          </p:cNvSpPr>
+          <p:nvPr>
+            <p:ph type="body" idx="1"/>
+          </p:nvPr>
+        </p:nvSpPr>
+        <p:spPr>
+          <a:xfrm>
+            <a:off x="219725" y="128337"/>
+            <a:ext cx="8520600" cy="4892842"/>
+          </a:xfrm>
+          <a:prstGeom prst="rect">
+            <a:avLst/>
+          </a:prstGeom>
+        </p:spPr>
+        <p:txBody>
+          <a:bodyPr spcFirstLastPara="1" wrap="square" lIns="91425" tIns="91425" rIns="91425" bIns="91425" anchor="t" anchorCtr="0">
+            <a:normAutofit/>
+          </a:bodyPr>
+          <a:lstStyle/>
+          <a:p>
+            <a:pPr marL="0" lvl="0" indent="0" algn="l" rtl="0">
+              <a:spcBef>
+                <a:spcPts val="0"/>
+              </a:spcBef>
+              <a:spcAft>
+                <a:spcPts val="0"/>
+              </a:spcAft>
+              <a:buNone/>
+            </a:pPr>
+            <a:r>
+              <a:rPr lang="en-US" dirty="0"/>
+              <a:t>Experience Clusters</a:t>
+            </a:r>
+          </a:p>
+          <a:p>
+            <a:pPr marL="0" lvl="0" indent="0" algn="l" rtl="0">
+              <a:spcBef>
+                <a:spcPts val="0"/>
+              </a:spcBef>
+              <a:spcAft>
+                <a:spcPts val="0"/>
+              </a:spcAft>
+              <a:buNone/>
+            </a:pPr>
+            <a:r>
+              <a:rPr lang="en-US" sz="1400" dirty="0"/>
+              <a:t>From the observations from the experience clusters, cluster 0 has the highest count</a:t>
+            </a:r>
+          </a:p>
+          <a:p>
+            <a:pPr marL="0" lvl="0" indent="0" algn="l" rtl="0">
+              <a:spcBef>
+                <a:spcPts val="0"/>
+              </a:spcBef>
+              <a:spcAft>
+                <a:spcPts val="0"/>
+              </a:spcAft>
+              <a:buNone/>
+            </a:pPr>
+            <a:endParaRPr sz="1400" dirty="0"/>
+          </a:p>
+          <a:p>
+            <a:pPr marL="0" lvl="0" indent="0" algn="l" rtl="0">
+              <a:spcBef>
+                <a:spcPts val="1200"/>
+              </a:spcBef>
+              <a:spcAft>
+                <a:spcPts val="1200"/>
+              </a:spcAft>
+              <a:buNone/>
+            </a:pPr>
+            <a:endParaRPr sz="1400" dirty="0"/>
+          </a:p>
+        </p:txBody>
+      </p:sp>
+      <p:pic>
+        <p:nvPicPr>
+          <p:cNvPr id="3" name="Picture 2">
+            <a:extLst>
+              <a:ext uri="{FF2B5EF4-FFF2-40B4-BE49-F238E27FC236}">
+                <a16:creationId xmlns:a16="http://schemas.microsoft.com/office/drawing/2014/main" id="{665E37F0-5787-4FE7-8D6F-C4ECCB222336}"/>
+              </a:ext>
+            </a:extLst>
+          </p:cNvPr>
+          <p:cNvPicPr>
+            <a:picLocks noChangeAspect="1"/>
+          </p:cNvPicPr>
+          <p:nvPr/>
+        </p:nvPicPr>
+        <p:blipFill>
+          <a:blip r:embed="rId3"/>
+          <a:stretch>
+            <a:fillRect/>
+          </a:stretch>
+        </p:blipFill>
+        <p:spPr>
+          <a:xfrm>
+            <a:off x="219725" y="1132308"/>
+            <a:ext cx="3994154" cy="3111111"/>
+          </a:xfrm>
+          <a:prstGeom prst="rect">
+            <a:avLst/>
+          </a:prstGeom>
+        </p:spPr>
+      </p:pic>
+      <p:pic>
+        <p:nvPicPr>
+          <p:cNvPr id="7" name="Picture 6">
+            <a:extLst>
+              <a:ext uri="{FF2B5EF4-FFF2-40B4-BE49-F238E27FC236}">
+                <a16:creationId xmlns:a16="http://schemas.microsoft.com/office/drawing/2014/main" id="{0187DA17-B320-4F0D-9B62-511B95F2A52C}"/>
+              </a:ext>
+            </a:extLst>
+          </p:cNvPr>
+          <p:cNvPicPr>
+            <a:picLocks noChangeAspect="1"/>
+          </p:cNvPicPr>
+          <p:nvPr/>
+        </p:nvPicPr>
+        <p:blipFill>
+          <a:blip r:embed="rId4"/>
+          <a:stretch>
+            <a:fillRect/>
+          </a:stretch>
+        </p:blipFill>
+        <p:spPr>
+          <a:xfrm>
+            <a:off x="4746171" y="1096966"/>
+            <a:ext cx="3994154" cy="3181794"/>
+          </a:xfrm>
+          <a:prstGeom prst="rect">
+            <a:avLst/>
+          </a:prstGeom>
+        </p:spPr>
+      </p:pic>
+    </p:spTree>
+    <p:extLst>
+      <p:ext uri="{BB962C8B-B14F-4D97-AF65-F5344CB8AC3E}">
+        <p14:creationId xmlns:p14="http://schemas.microsoft.com/office/powerpoint/2010/main" val="1708304784"/>
       </p:ext>
     </p:extLst>
   </p:cSld>
@@ -8415,6 +10382,824 @@
 </p:sld>
 </file>
 
+<file path=ppt/slides/slide20.xml><?xml version="1.0" encoding="utf-8"?>
+<p:sld xmlns:a="http://schemas.openxmlformats.org/drawingml/2006/main" xmlns:r="http://schemas.openxmlformats.org/officeDocument/2006/relationships" xmlns:p="http://schemas.openxmlformats.org/presentationml/2006/main">
+  <p:cSld>
+    <p:spTree>
+      <p:nvGrpSpPr>
+        <p:cNvPr id="1" name="Shape 139"/>
+        <p:cNvGrpSpPr/>
+        <p:nvPr/>
+      </p:nvGrpSpPr>
+      <p:grpSpPr>
+        <a:xfrm>
+          <a:off x="0" y="0"/>
+          <a:ext cx="0" cy="0"/>
+          <a:chOff x="0" y="0"/>
+          <a:chExt cx="0" cy="0"/>
+        </a:xfrm>
+      </p:grpSpPr>
+      <p:sp>
+        <p:nvSpPr>
+          <p:cNvPr id="140" name="Google Shape;140;p27"/>
+          <p:cNvSpPr txBox="1">
+            <a:spLocks noGrp="1"/>
+          </p:cNvSpPr>
+          <p:nvPr>
+            <p:ph type="body" idx="1"/>
+          </p:nvPr>
+        </p:nvSpPr>
+        <p:spPr>
+          <a:xfrm>
+            <a:off x="219725" y="128337"/>
+            <a:ext cx="8520600" cy="4892842"/>
+          </a:xfrm>
+          <a:prstGeom prst="rect">
+            <a:avLst/>
+          </a:prstGeom>
+        </p:spPr>
+        <p:txBody>
+          <a:bodyPr spcFirstLastPara="1" wrap="square" lIns="91425" tIns="91425" rIns="91425" bIns="91425" anchor="t" anchorCtr="0">
+            <a:normAutofit/>
+          </a:bodyPr>
+          <a:lstStyle/>
+          <a:p>
+            <a:pPr marL="0" lvl="0" indent="0" algn="l" rtl="0">
+              <a:spcBef>
+                <a:spcPts val="0"/>
+              </a:spcBef>
+              <a:spcAft>
+                <a:spcPts val="0"/>
+              </a:spcAft>
+              <a:buNone/>
+            </a:pPr>
+            <a:r>
+              <a:rPr lang="en-US" dirty="0"/>
+              <a:t>Experience Clusters</a:t>
+            </a:r>
+          </a:p>
+          <a:p>
+            <a:pPr marL="0" lvl="0" indent="0" algn="l" rtl="0">
+              <a:spcBef>
+                <a:spcPts val="0"/>
+              </a:spcBef>
+              <a:spcAft>
+                <a:spcPts val="0"/>
+              </a:spcAft>
+              <a:buNone/>
+            </a:pPr>
+            <a:r>
+              <a:rPr lang="en-US" sz="1400" dirty="0"/>
+              <a:t>From the graph, we observe the most engaged customers belong to cluster 0</a:t>
+            </a:r>
+            <a:endParaRPr sz="1400" dirty="0"/>
+          </a:p>
+          <a:p>
+            <a:pPr marL="0" lvl="0" indent="0" algn="l" rtl="0">
+              <a:spcBef>
+                <a:spcPts val="1200"/>
+              </a:spcBef>
+              <a:spcAft>
+                <a:spcPts val="1200"/>
+              </a:spcAft>
+              <a:buNone/>
+            </a:pPr>
+            <a:r>
+              <a:rPr lang="en-US" sz="1400" dirty="0"/>
+              <a:t>Descriptions about mean for each cluster:</a:t>
+            </a:r>
+          </a:p>
+          <a:p>
+            <a:pPr marL="0" lvl="0" indent="0" algn="l" rtl="0">
+              <a:spcBef>
+                <a:spcPts val="1200"/>
+              </a:spcBef>
+              <a:spcAft>
+                <a:spcPts val="1200"/>
+              </a:spcAft>
+              <a:buNone/>
+            </a:pPr>
+            <a:endParaRPr lang="en-US" sz="1400" dirty="0"/>
+          </a:p>
+        </p:txBody>
+      </p:sp>
+      <p:graphicFrame>
+        <p:nvGraphicFramePr>
+          <p:cNvPr id="4" name="Table 4">
+            <a:extLst>
+              <a:ext uri="{FF2B5EF4-FFF2-40B4-BE49-F238E27FC236}">
+                <a16:creationId xmlns:a16="http://schemas.microsoft.com/office/drawing/2014/main" id="{9C3A81B8-800C-4B9F-B594-19E7A7BDFF9E}"/>
+              </a:ext>
+            </a:extLst>
+          </p:cNvPr>
+          <p:cNvGraphicFramePr>
+            <a:graphicFrameLocks noGrp="1"/>
+          </p:cNvGraphicFramePr>
+          <p:nvPr>
+            <p:extLst>
+              <p:ext uri="{D42A27DB-BD31-4B8C-83A1-F6EECF244321}">
+                <p14:modId xmlns:p14="http://schemas.microsoft.com/office/powerpoint/2010/main" val="3025294338"/>
+              </p:ext>
+            </p:extLst>
+          </p:nvPr>
+        </p:nvGraphicFramePr>
+        <p:xfrm>
+          <a:off x="667657" y="1421244"/>
+          <a:ext cx="6096000" cy="2068500"/>
+        </p:xfrm>
+        <a:graphic>
+          <a:graphicData uri="http://schemas.openxmlformats.org/drawingml/2006/table">
+            <a:tbl>
+              <a:tblPr firstRow="1" bandRow="1">
+                <a:tableStyleId>{56E3686E-7A96-46EA-B2AB-A12E4A4FF070}</a:tableStyleId>
+              </a:tblPr>
+              <a:tblGrid>
+                <a:gridCol w="1524000">
+                  <a:extLst>
+                    <a:ext uri="{9D8B030D-6E8A-4147-A177-3AD203B41FA5}">
+                      <a16:colId xmlns:a16="http://schemas.microsoft.com/office/drawing/2014/main" val="1289354860"/>
+                    </a:ext>
+                  </a:extLst>
+                </a:gridCol>
+                <a:gridCol w="1524000">
+                  <a:extLst>
+                    <a:ext uri="{9D8B030D-6E8A-4147-A177-3AD203B41FA5}">
+                      <a16:colId xmlns:a16="http://schemas.microsoft.com/office/drawing/2014/main" val="380023733"/>
+                    </a:ext>
+                  </a:extLst>
+                </a:gridCol>
+                <a:gridCol w="1524000">
+                  <a:extLst>
+                    <a:ext uri="{9D8B030D-6E8A-4147-A177-3AD203B41FA5}">
+                      <a16:colId xmlns:a16="http://schemas.microsoft.com/office/drawing/2014/main" val="1978858990"/>
+                    </a:ext>
+                  </a:extLst>
+                </a:gridCol>
+                <a:gridCol w="1524000">
+                  <a:extLst>
+                    <a:ext uri="{9D8B030D-6E8A-4147-A177-3AD203B41FA5}">
+                      <a16:colId xmlns:a16="http://schemas.microsoft.com/office/drawing/2014/main" val="254683379"/>
+                    </a:ext>
+                  </a:extLst>
+                </a:gridCol>
+              </a:tblGrid>
+              <a:tr h="310135">
+                <a:tc>
+                  <a:txBody>
+                    <a:bodyPr/>
+                    <a:lstStyle/>
+                    <a:p>
+                      <a:r>
+                        <a:rPr lang="en-US" dirty="0"/>
+                        <a:t>Variables</a:t>
+                      </a:r>
+                      <a:endParaRPr lang="LID4096" dirty="0"/>
+                    </a:p>
+                  </a:txBody>
+                  <a:tcPr/>
+                </a:tc>
+                <a:tc>
+                  <a:txBody>
+                    <a:bodyPr/>
+                    <a:lstStyle/>
+                    <a:p>
+                      <a:r>
+                        <a:rPr lang="en-US" dirty="0"/>
+                        <a:t>Mean cluster 0</a:t>
+                      </a:r>
+                      <a:endParaRPr lang="LID4096" dirty="0"/>
+                    </a:p>
+                  </a:txBody>
+                  <a:tcPr/>
+                </a:tc>
+                <a:tc>
+                  <a:txBody>
+                    <a:bodyPr/>
+                    <a:lstStyle/>
+                    <a:p>
+                      <a:r>
+                        <a:rPr lang="en-US" dirty="0"/>
+                        <a:t>Mean cluster 2</a:t>
+                      </a:r>
+                      <a:endParaRPr lang="LID4096" dirty="0"/>
+                    </a:p>
+                  </a:txBody>
+                  <a:tcPr/>
+                </a:tc>
+                <a:tc>
+                  <a:txBody>
+                    <a:bodyPr/>
+                    <a:lstStyle/>
+                    <a:p>
+                      <a:r>
+                        <a:rPr lang="en-US" dirty="0"/>
+                        <a:t>Mean cluster 1</a:t>
+                      </a:r>
+                      <a:endParaRPr lang="LID4096" dirty="0"/>
+                    </a:p>
+                  </a:txBody>
+                  <a:tcPr/>
+                </a:tc>
+                <a:extLst>
+                  <a:ext uri="{0D108BD9-81ED-4DB2-BD59-A6C34878D82A}">
+                    <a16:rowId xmlns:a16="http://schemas.microsoft.com/office/drawing/2014/main" val="2059103124"/>
+                  </a:ext>
+                </a:extLst>
+              </a:tr>
+              <a:tr h="310135">
+                <a:tc>
+                  <a:txBody>
+                    <a:bodyPr/>
+                    <a:lstStyle/>
+                    <a:p>
+                      <a:r>
+                        <a:rPr lang="en-US" dirty="0"/>
+                        <a:t>Duration </a:t>
+                      </a:r>
+                      <a:endParaRPr lang="LID4096" dirty="0"/>
+                    </a:p>
+                  </a:txBody>
+                  <a:tcPr/>
+                </a:tc>
+                <a:tc>
+                  <a:txBody>
+                    <a:bodyPr/>
+                    <a:lstStyle/>
+                    <a:p>
+                      <a:r>
+                        <a:rPr lang="en-US" dirty="0"/>
+                        <a:t>2.421906e+06</a:t>
+                      </a:r>
+                      <a:endParaRPr lang="LID4096" dirty="0"/>
+                    </a:p>
+                  </a:txBody>
+                  <a:tcPr/>
+                </a:tc>
+                <a:tc>
+                  <a:txBody>
+                    <a:bodyPr/>
+                    <a:lstStyle/>
+                    <a:p>
+                      <a:r>
+                        <a:rPr lang="en-US" dirty="0"/>
+                        <a:t>7.789314e+05</a:t>
+                      </a:r>
+                      <a:endParaRPr lang="LID4096" dirty="0"/>
+                    </a:p>
+                  </a:txBody>
+                  <a:tcPr/>
+                </a:tc>
+                <a:tc>
+                  <a:txBody>
+                    <a:bodyPr/>
+                    <a:lstStyle/>
+                    <a:p>
+                      <a:r>
+                        <a:rPr lang="en-US" dirty="0"/>
+                        <a:t>6.654174e+05</a:t>
+                      </a:r>
+                      <a:endParaRPr lang="LID4096" dirty="0"/>
+                    </a:p>
+                  </a:txBody>
+                  <a:tcPr/>
+                </a:tc>
+                <a:extLst>
+                  <a:ext uri="{0D108BD9-81ED-4DB2-BD59-A6C34878D82A}">
+                    <a16:rowId xmlns:a16="http://schemas.microsoft.com/office/drawing/2014/main" val="1910009001"/>
+                  </a:ext>
+                </a:extLst>
+              </a:tr>
+              <a:tr h="309800">
+                <a:tc>
+                  <a:txBody>
+                    <a:bodyPr/>
+                    <a:lstStyle/>
+                    <a:p>
+                      <a:r>
+                        <a:rPr lang="en-US" dirty="0"/>
+                        <a:t>Total DL</a:t>
+                      </a:r>
+                      <a:endParaRPr lang="LID4096" dirty="0"/>
+                    </a:p>
+                  </a:txBody>
+                  <a:tcPr/>
+                </a:tc>
+                <a:tc>
+                  <a:txBody>
+                    <a:bodyPr/>
+                    <a:lstStyle/>
+                    <a:p>
+                      <a:r>
+                        <a:rPr lang="en-US" dirty="0"/>
+                        <a:t>1.208157e+08</a:t>
+                      </a:r>
+                      <a:endParaRPr lang="LID4096" dirty="0"/>
+                    </a:p>
+                  </a:txBody>
+                  <a:tcPr/>
+                </a:tc>
+                <a:tc>
+                  <a:txBody>
+                    <a:bodyPr/>
+                    <a:lstStyle/>
+                    <a:p>
+                      <a:r>
+                        <a:rPr lang="en-US" dirty="0"/>
+                        <a:t>1.084307e+08</a:t>
+                      </a:r>
+                      <a:endParaRPr lang="LID4096" dirty="0"/>
+                    </a:p>
+                  </a:txBody>
+                  <a:tcPr/>
+                </a:tc>
+                <a:tc>
+                  <a:txBody>
+                    <a:bodyPr/>
+                    <a:lstStyle/>
+                    <a:p>
+                      <a:pPr marL="0" marR="0" lvl="0" indent="0" algn="l" defTabSz="914400" rtl="0" eaLnBrk="1" fontAlgn="auto" latinLnBrk="0" hangingPunct="1">
+                        <a:lnSpc>
+                          <a:spcPct val="100000"/>
+                        </a:lnSpc>
+                        <a:spcBef>
+                          <a:spcPts val="0"/>
+                        </a:spcBef>
+                        <a:spcAft>
+                          <a:spcPts val="0"/>
+                        </a:spcAft>
+                        <a:buClr>
+                          <a:srgbClr val="000000"/>
+                        </a:buClr>
+                        <a:buSzTx/>
+                        <a:buFont typeface="Arial"/>
+                        <a:buNone/>
+                        <a:tabLst/>
+                        <a:defRPr/>
+                      </a:pPr>
+                      <a:r>
+                        <a:rPr lang="en-US" dirty="0"/>
+                        <a:t>1.054051e+09</a:t>
+                      </a:r>
+                      <a:endParaRPr lang="LID4096" dirty="0"/>
+                    </a:p>
+                  </a:txBody>
+                  <a:tcPr/>
+                </a:tc>
+                <a:extLst>
+                  <a:ext uri="{0D108BD9-81ED-4DB2-BD59-A6C34878D82A}">
+                    <a16:rowId xmlns:a16="http://schemas.microsoft.com/office/drawing/2014/main" val="3956331968"/>
+                  </a:ext>
+                </a:extLst>
+              </a:tr>
+              <a:tr h="310135">
+                <a:tc>
+                  <a:txBody>
+                    <a:bodyPr/>
+                    <a:lstStyle/>
+                    <a:p>
+                      <a:r>
+                        <a:rPr lang="en-US" dirty="0"/>
+                        <a:t>Total UL</a:t>
+                      </a:r>
+                      <a:endParaRPr lang="LID4096" dirty="0"/>
+                    </a:p>
+                  </a:txBody>
+                  <a:tcPr/>
+                </a:tc>
+                <a:tc>
+                  <a:txBody>
+                    <a:bodyPr/>
+                    <a:lstStyle/>
+                    <a:p>
+                      <a:r>
+                        <a:rPr lang="en-US" dirty="0"/>
+                        <a:t>1.360509e+09</a:t>
+                      </a:r>
+                      <a:endParaRPr lang="LID4096" dirty="0"/>
+                    </a:p>
+                  </a:txBody>
+                  <a:tcPr/>
+                </a:tc>
+                <a:tc>
+                  <a:txBody>
+                    <a:bodyPr/>
+                    <a:lstStyle/>
+                    <a:p>
+                      <a:r>
+                        <a:rPr lang="en-US" dirty="0"/>
+                        <a:t>1.305942e+09</a:t>
+                      </a:r>
+                      <a:endParaRPr lang="LID4096" dirty="0"/>
+                    </a:p>
+                  </a:txBody>
+                  <a:tcPr/>
+                </a:tc>
+                <a:tc>
+                  <a:txBody>
+                    <a:bodyPr/>
+                    <a:lstStyle/>
+                    <a:p>
+                      <a:r>
+                        <a:rPr lang="en-US" dirty="0"/>
+                        <a:t>9.470554e+07</a:t>
+                      </a:r>
+                      <a:endParaRPr lang="LID4096" dirty="0"/>
+                    </a:p>
+                  </a:txBody>
+                  <a:tcPr/>
+                </a:tc>
+                <a:extLst>
+                  <a:ext uri="{0D108BD9-81ED-4DB2-BD59-A6C34878D82A}">
+                    <a16:rowId xmlns:a16="http://schemas.microsoft.com/office/drawing/2014/main" val="441712311"/>
+                  </a:ext>
+                </a:extLst>
+              </a:tr>
+              <a:tr h="310135">
+                <a:tc>
+                  <a:txBody>
+                    <a:bodyPr/>
+                    <a:lstStyle/>
+                    <a:p>
+                      <a:r>
+                        <a:rPr lang="en-US" dirty="0"/>
+                        <a:t>Decile </a:t>
+                      </a:r>
+                      <a:endParaRPr lang="LID4096" dirty="0"/>
+                    </a:p>
+                  </a:txBody>
+                  <a:tcPr/>
+                </a:tc>
+                <a:tc>
+                  <a:txBody>
+                    <a:bodyPr/>
+                    <a:lstStyle/>
+                    <a:p>
+                      <a:r>
+                        <a:rPr lang="en-US" dirty="0"/>
+                        <a:t>1.061507e+04</a:t>
+                      </a:r>
+                      <a:endParaRPr lang="LID4096" dirty="0"/>
+                    </a:p>
+                  </a:txBody>
+                  <a:tcPr/>
+                </a:tc>
+                <a:tc>
+                  <a:txBody>
+                    <a:bodyPr/>
+                    <a:lstStyle/>
+                    <a:p>
+                      <a:r>
+                        <a:rPr lang="en-US" dirty="0"/>
+                        <a:t>1.382236e+03</a:t>
+                      </a:r>
+                      <a:endParaRPr lang="LID4096" dirty="0"/>
+                    </a:p>
+                  </a:txBody>
+                  <a:tcPr/>
+                </a:tc>
+                <a:tc>
+                  <a:txBody>
+                    <a:bodyPr/>
+                    <a:lstStyle/>
+                    <a:p>
+                      <a:r>
+                        <a:rPr lang="en-US" dirty="0"/>
+                        <a:t>1.300965e+03</a:t>
+                      </a:r>
+                      <a:endParaRPr lang="LID4096" dirty="0"/>
+                    </a:p>
+                  </a:txBody>
+                  <a:tcPr/>
+                </a:tc>
+                <a:extLst>
+                  <a:ext uri="{0D108BD9-81ED-4DB2-BD59-A6C34878D82A}">
+                    <a16:rowId xmlns:a16="http://schemas.microsoft.com/office/drawing/2014/main" val="3885644734"/>
+                  </a:ext>
+                </a:extLst>
+              </a:tr>
+              <a:tr h="433340">
+                <a:tc>
+                  <a:txBody>
+                    <a:bodyPr/>
+                    <a:lstStyle/>
+                    <a:p>
+                      <a:r>
+                        <a:rPr lang="en-US" dirty="0"/>
+                        <a:t>Satisfaction score</a:t>
+                      </a:r>
+                      <a:endParaRPr lang="LID4096" dirty="0"/>
+                    </a:p>
+                  </a:txBody>
+                  <a:tcPr/>
+                </a:tc>
+                <a:tc>
+                  <a:txBody>
+                    <a:bodyPr/>
+                    <a:lstStyle/>
+                    <a:p>
+                      <a:r>
+                        <a:rPr lang="en-US" dirty="0"/>
+                        <a:t>2.088941e+09</a:t>
+                      </a:r>
+                      <a:endParaRPr lang="LID4096" dirty="0"/>
+                    </a:p>
+                  </a:txBody>
+                  <a:tcPr/>
+                </a:tc>
+                <a:tc>
+                  <a:txBody>
+                    <a:bodyPr/>
+                    <a:lstStyle/>
+                    <a:p>
+                      <a:r>
+                        <a:rPr lang="en-US" dirty="0"/>
+                        <a:t>2.003189e+09</a:t>
+                      </a:r>
+                      <a:endParaRPr lang="LID4096" dirty="0"/>
+                    </a:p>
+                  </a:txBody>
+                  <a:tcPr/>
+                </a:tc>
+                <a:tc>
+                  <a:txBody>
+                    <a:bodyPr/>
+                    <a:lstStyle/>
+                    <a:p>
+                      <a:r>
+                        <a:rPr lang="en-US" dirty="0"/>
+                        <a:t>1.625822e+09</a:t>
+                      </a:r>
+                      <a:endParaRPr lang="LID4096" dirty="0"/>
+                    </a:p>
+                  </a:txBody>
+                  <a:tcPr/>
+                </a:tc>
+                <a:extLst>
+                  <a:ext uri="{0D108BD9-81ED-4DB2-BD59-A6C34878D82A}">
+                    <a16:rowId xmlns:a16="http://schemas.microsoft.com/office/drawing/2014/main" val="698124697"/>
+                  </a:ext>
+                </a:extLst>
+              </a:tr>
+            </a:tbl>
+          </a:graphicData>
+        </a:graphic>
+      </p:graphicFrame>
+    </p:spTree>
+    <p:extLst>
+      <p:ext uri="{BB962C8B-B14F-4D97-AF65-F5344CB8AC3E}">
+        <p14:creationId xmlns:p14="http://schemas.microsoft.com/office/powerpoint/2010/main" val="3879313066"/>
+      </p:ext>
+    </p:extLst>
+  </p:cSld>
+  <p:clrMapOvr>
+    <a:masterClrMapping/>
+  </p:clrMapOvr>
+</p:sld>
+</file>
+
+<file path=ppt/slides/slide21.xml><?xml version="1.0" encoding="utf-8"?>
+<p:sld xmlns:a="http://schemas.openxmlformats.org/drawingml/2006/main" xmlns:r="http://schemas.openxmlformats.org/officeDocument/2006/relationships" xmlns:p="http://schemas.openxmlformats.org/presentationml/2006/main">
+  <p:cSld>
+    <p:spTree>
+      <p:nvGrpSpPr>
+        <p:cNvPr id="1" name="Shape 139"/>
+        <p:cNvGrpSpPr/>
+        <p:nvPr/>
+      </p:nvGrpSpPr>
+      <p:grpSpPr>
+        <a:xfrm>
+          <a:off x="0" y="0"/>
+          <a:ext cx="0" cy="0"/>
+          <a:chOff x="0" y="0"/>
+          <a:chExt cx="0" cy="0"/>
+        </a:xfrm>
+      </p:grpSpPr>
+      <p:sp>
+        <p:nvSpPr>
+          <p:cNvPr id="140" name="Google Shape;140;p27"/>
+          <p:cNvSpPr txBox="1">
+            <a:spLocks noGrp="1"/>
+          </p:cNvSpPr>
+          <p:nvPr>
+            <p:ph type="body" idx="1"/>
+          </p:nvPr>
+        </p:nvSpPr>
+        <p:spPr>
+          <a:xfrm>
+            <a:off x="219725" y="128337"/>
+            <a:ext cx="8520600" cy="4892842"/>
+          </a:xfrm>
+          <a:prstGeom prst="rect">
+            <a:avLst/>
+          </a:prstGeom>
+        </p:spPr>
+        <p:txBody>
+          <a:bodyPr spcFirstLastPara="1" wrap="square" lIns="91425" tIns="91425" rIns="91425" bIns="91425" anchor="t" anchorCtr="0">
+            <a:normAutofit/>
+          </a:bodyPr>
+          <a:lstStyle/>
+          <a:p>
+            <a:pPr marL="0" lvl="0" indent="0" algn="l" rtl="0">
+              <a:spcBef>
+                <a:spcPts val="0"/>
+              </a:spcBef>
+              <a:spcAft>
+                <a:spcPts val="0"/>
+              </a:spcAft>
+              <a:buNone/>
+            </a:pPr>
+            <a:r>
+              <a:rPr lang="en-US" dirty="0"/>
+              <a:t>Top 10 most satisfied customers</a:t>
+            </a:r>
+          </a:p>
+          <a:p>
+            <a:pPr marL="0" lvl="0" indent="0" algn="l" rtl="0">
+              <a:spcBef>
+                <a:spcPts val="0"/>
+              </a:spcBef>
+              <a:spcAft>
+                <a:spcPts val="0"/>
+              </a:spcAft>
+              <a:buNone/>
+            </a:pPr>
+            <a:endParaRPr lang="en-US" dirty="0"/>
+          </a:p>
+        </p:txBody>
+      </p:sp>
+      <p:pic>
+        <p:nvPicPr>
+          <p:cNvPr id="4" name="Picture 3">
+            <a:extLst>
+              <a:ext uri="{FF2B5EF4-FFF2-40B4-BE49-F238E27FC236}">
+                <a16:creationId xmlns:a16="http://schemas.microsoft.com/office/drawing/2014/main" id="{C06373F0-8C1C-441B-BEDA-F64F7BCA74E4}"/>
+              </a:ext>
+            </a:extLst>
+          </p:cNvPr>
+          <p:cNvPicPr>
+            <a:picLocks noChangeAspect="1"/>
+          </p:cNvPicPr>
+          <p:nvPr/>
+        </p:nvPicPr>
+        <p:blipFill>
+          <a:blip r:embed="rId3"/>
+          <a:stretch>
+            <a:fillRect/>
+          </a:stretch>
+        </p:blipFill>
+        <p:spPr>
+          <a:xfrm>
+            <a:off x="403675" y="906933"/>
+            <a:ext cx="7373379" cy="3010320"/>
+          </a:xfrm>
+          <a:prstGeom prst="rect">
+            <a:avLst/>
+          </a:prstGeom>
+        </p:spPr>
+      </p:pic>
+    </p:spTree>
+    <p:extLst>
+      <p:ext uri="{BB962C8B-B14F-4D97-AF65-F5344CB8AC3E}">
+        <p14:creationId xmlns:p14="http://schemas.microsoft.com/office/powerpoint/2010/main" val="3351680990"/>
+      </p:ext>
+    </p:extLst>
+  </p:cSld>
+  <p:clrMapOvr>
+    <a:masterClrMapping/>
+  </p:clrMapOvr>
+</p:sld>
+</file>
+
+<file path=ppt/slides/slide22.xml><?xml version="1.0" encoding="utf-8"?>
+<p:sld xmlns:a="http://schemas.openxmlformats.org/drawingml/2006/main" xmlns:r="http://schemas.openxmlformats.org/officeDocument/2006/relationships" xmlns:p="http://schemas.openxmlformats.org/presentationml/2006/main">
+  <p:cSld>
+    <p:spTree>
+      <p:nvGrpSpPr>
+        <p:cNvPr id="1" name=""/>
+        <p:cNvGrpSpPr/>
+        <p:nvPr/>
+      </p:nvGrpSpPr>
+      <p:grpSpPr>
+        <a:xfrm>
+          <a:off x="0" y="0"/>
+          <a:ext cx="0" cy="0"/>
+          <a:chOff x="0" y="0"/>
+          <a:chExt cx="0" cy="0"/>
+        </a:xfrm>
+      </p:grpSpPr>
+      <p:sp>
+        <p:nvSpPr>
+          <p:cNvPr id="2" name="Title 1">
+            <a:extLst>
+              <a:ext uri="{FF2B5EF4-FFF2-40B4-BE49-F238E27FC236}">
+                <a16:creationId xmlns:a16="http://schemas.microsoft.com/office/drawing/2014/main" id="{A044B497-44B4-41C2-90E4-2DFDA25CB7C8}"/>
+              </a:ext>
+            </a:extLst>
+          </p:cNvPr>
+          <p:cNvSpPr>
+            <a:spLocks noGrp="1"/>
+          </p:cNvSpPr>
+          <p:nvPr>
+            <p:ph type="title"/>
+          </p:nvPr>
+        </p:nvSpPr>
+        <p:spPr/>
+        <p:txBody>
+          <a:bodyPr>
+            <a:normAutofit fontScale="90000"/>
+          </a:bodyPr>
+          <a:lstStyle/>
+          <a:p>
+            <a:r>
+              <a:rPr lang="en-US" dirty="0"/>
+              <a:t>Creator</a:t>
+            </a:r>
+            <a:endParaRPr lang="LID4096" dirty="0"/>
+          </a:p>
+        </p:txBody>
+      </p:sp>
+      <p:sp>
+        <p:nvSpPr>
+          <p:cNvPr id="3" name="Text Placeholder 2">
+            <a:extLst>
+              <a:ext uri="{FF2B5EF4-FFF2-40B4-BE49-F238E27FC236}">
+                <a16:creationId xmlns:a16="http://schemas.microsoft.com/office/drawing/2014/main" id="{6461FE8C-6834-41BF-9619-2A5046EBE2FC}"/>
+              </a:ext>
+            </a:extLst>
+          </p:cNvPr>
+          <p:cNvSpPr>
+            <a:spLocks noGrp="1"/>
+          </p:cNvSpPr>
+          <p:nvPr>
+            <p:ph type="body" idx="1"/>
+          </p:nvPr>
+        </p:nvSpPr>
+        <p:spPr/>
+        <p:txBody>
+          <a:bodyPr/>
+          <a:lstStyle/>
+          <a:p>
+            <a:pPr marL="114300" indent="0">
+              <a:buNone/>
+            </a:pPr>
+            <a:r>
+              <a:rPr lang="en-US" dirty="0"/>
+              <a:t>Names: Floris Nzabakira</a:t>
+            </a:r>
+          </a:p>
+          <a:p>
+            <a:pPr marL="114300" indent="0">
+              <a:buNone/>
+            </a:pPr>
+            <a:r>
+              <a:rPr lang="en-US" dirty="0"/>
+              <a:t>Email: </a:t>
+            </a:r>
+            <a:r>
+              <a:rPr lang="en-US" dirty="0">
+                <a:hlinkClick r:id="rId2"/>
+              </a:rPr>
+              <a:t>nzafloris@gmail.com</a:t>
+            </a:r>
+            <a:endParaRPr lang="en-US" dirty="0"/>
+          </a:p>
+          <a:p>
+            <a:pPr marL="114300" indent="0">
+              <a:buNone/>
+            </a:pPr>
+            <a:r>
+              <a:rPr lang="en-US" dirty="0"/>
+              <a:t>GitHub: </a:t>
+            </a:r>
+            <a:r>
+              <a:rPr lang="en-US" dirty="0">
+                <a:hlinkClick r:id="rId3"/>
+              </a:rPr>
+              <a:t>https://github.com/Kira-Floris/TellCo</a:t>
+            </a:r>
+            <a:endParaRPr lang="en-US" dirty="0"/>
+          </a:p>
+          <a:p>
+            <a:pPr marL="114300" indent="0">
+              <a:buNone/>
+            </a:pPr>
+            <a:endParaRPr lang="en-US" dirty="0"/>
+          </a:p>
+        </p:txBody>
+      </p:sp>
+    </p:spTree>
+    <p:extLst>
+      <p:ext uri="{BB962C8B-B14F-4D97-AF65-F5344CB8AC3E}">
+        <p14:creationId xmlns:p14="http://schemas.microsoft.com/office/powerpoint/2010/main" val="4124455883"/>
+      </p:ext>
+    </p:extLst>
+  </p:cSld>
+  <p:clrMapOvr>
+    <a:masterClrMapping/>
+  </p:clrMapOvr>
+</p:sld>
+</file>
+
 <file path=ppt/slides/slide3.xml><?xml version="1.0" encoding="utf-8"?>
 <p:sld xmlns:a="http://schemas.openxmlformats.org/drawingml/2006/main" xmlns:r="http://schemas.openxmlformats.org/officeDocument/2006/relationships" xmlns:p="http://schemas.openxmlformats.org/presentationml/2006/main">
   <p:cSld>
@@ -8681,10 +11466,10 @@
                         <a:buNone/>
                       </a:pPr>
                       <a:r>
-                        <a:rPr lang="en"/>
+                        <a:rPr lang="en" dirty="0"/>
                         <a:t>average</a:t>
                       </a:r>
-                      <a:endParaRPr/>
+                      <a:endParaRPr dirty="0"/>
                     </a:p>
                   </a:txBody>
                   <a:tcPr marL="91425" marR="91425" marT="91425" marB="91425"/>
@@ -9656,6 +12441,249 @@
       </p:grpSpPr>
       <p:sp>
         <p:nvSpPr>
+          <p:cNvPr id="2" name="Title 1">
+            <a:extLst>
+              <a:ext uri="{FF2B5EF4-FFF2-40B4-BE49-F238E27FC236}">
+                <a16:creationId xmlns:a16="http://schemas.microsoft.com/office/drawing/2014/main" id="{A044B497-44B4-41C2-90E4-2DFDA25CB7C8}"/>
+              </a:ext>
+            </a:extLst>
+          </p:cNvPr>
+          <p:cNvSpPr>
+            <a:spLocks noGrp="1"/>
+          </p:cNvSpPr>
+          <p:nvPr>
+            <p:ph type="title"/>
+          </p:nvPr>
+        </p:nvSpPr>
+        <p:spPr/>
+        <p:txBody>
+          <a:bodyPr>
+            <a:normAutofit fontScale="90000"/>
+          </a:bodyPr>
+          <a:lstStyle/>
+          <a:p>
+            <a:r>
+              <a:rPr lang="en-US" dirty="0"/>
+              <a:t>Mostly used Handset Type</a:t>
+            </a:r>
+            <a:endParaRPr lang="LID4096" dirty="0"/>
+          </a:p>
+        </p:txBody>
+      </p:sp>
+      <p:sp>
+        <p:nvSpPr>
+          <p:cNvPr id="3" name="Text Placeholder 2">
+            <a:extLst>
+              <a:ext uri="{FF2B5EF4-FFF2-40B4-BE49-F238E27FC236}">
+                <a16:creationId xmlns:a16="http://schemas.microsoft.com/office/drawing/2014/main" id="{6461FE8C-6834-41BF-9619-2A5046EBE2FC}"/>
+              </a:ext>
+            </a:extLst>
+          </p:cNvPr>
+          <p:cNvSpPr>
+            <a:spLocks noGrp="1"/>
+          </p:cNvSpPr>
+          <p:nvPr>
+            <p:ph type="body" idx="1"/>
+          </p:nvPr>
+        </p:nvSpPr>
+        <p:spPr/>
+        <p:txBody>
+          <a:bodyPr/>
+          <a:lstStyle/>
+          <a:p>
+            <a:pPr marL="114300" indent="0">
+              <a:buNone/>
+            </a:pPr>
+            <a:endParaRPr lang="en-US" dirty="0"/>
+          </a:p>
+        </p:txBody>
+      </p:sp>
+      <p:pic>
+        <p:nvPicPr>
+          <p:cNvPr id="5" name="Picture 4">
+            <a:extLst>
+              <a:ext uri="{FF2B5EF4-FFF2-40B4-BE49-F238E27FC236}">
+                <a16:creationId xmlns:a16="http://schemas.microsoft.com/office/drawing/2014/main" id="{AA4081B4-A607-4923-8FD9-641E6BEA44E9}"/>
+              </a:ext>
+            </a:extLst>
+          </p:cNvPr>
+          <p:cNvPicPr>
+            <a:picLocks noChangeAspect="1"/>
+          </p:cNvPicPr>
+          <p:nvPr/>
+        </p:nvPicPr>
+        <p:blipFill>
+          <a:blip r:embed="rId2"/>
+          <a:stretch>
+            <a:fillRect/>
+          </a:stretch>
+        </p:blipFill>
+        <p:spPr>
+          <a:xfrm>
+            <a:off x="311700" y="1152475"/>
+            <a:ext cx="4926984" cy="3416400"/>
+          </a:xfrm>
+          <a:prstGeom prst="rect">
+            <a:avLst/>
+          </a:prstGeom>
+        </p:spPr>
+      </p:pic>
+    </p:spTree>
+    <p:extLst>
+      <p:ext uri="{BB962C8B-B14F-4D97-AF65-F5344CB8AC3E}">
+        <p14:creationId xmlns:p14="http://schemas.microsoft.com/office/powerpoint/2010/main" val="2757944572"/>
+      </p:ext>
+    </p:extLst>
+  </p:cSld>
+  <p:clrMapOvr>
+    <a:masterClrMapping/>
+  </p:clrMapOvr>
+</p:sld>
+</file>
+
+<file path=ppt/slides/slide7.xml><?xml version="1.0" encoding="utf-8"?>
+<p:sld xmlns:a="http://schemas.openxmlformats.org/drawingml/2006/main" xmlns:r="http://schemas.openxmlformats.org/officeDocument/2006/relationships" xmlns:p="http://schemas.openxmlformats.org/presentationml/2006/main">
+  <p:cSld>
+    <p:spTree>
+      <p:nvGrpSpPr>
+        <p:cNvPr id="1" name=""/>
+        <p:cNvGrpSpPr/>
+        <p:nvPr/>
+      </p:nvGrpSpPr>
+      <p:grpSpPr>
+        <a:xfrm>
+          <a:off x="0" y="0"/>
+          <a:ext cx="0" cy="0"/>
+          <a:chOff x="0" y="0"/>
+          <a:chExt cx="0" cy="0"/>
+        </a:xfrm>
+      </p:grpSpPr>
+      <p:sp>
+        <p:nvSpPr>
+          <p:cNvPr id="2" name="Title 1">
+            <a:extLst>
+              <a:ext uri="{FF2B5EF4-FFF2-40B4-BE49-F238E27FC236}">
+                <a16:creationId xmlns:a16="http://schemas.microsoft.com/office/drawing/2014/main" id="{A044B497-44B4-41C2-90E4-2DFDA25CB7C8}"/>
+              </a:ext>
+            </a:extLst>
+          </p:cNvPr>
+          <p:cNvSpPr>
+            <a:spLocks noGrp="1"/>
+          </p:cNvSpPr>
+          <p:nvPr>
+            <p:ph type="title"/>
+          </p:nvPr>
+        </p:nvSpPr>
+        <p:spPr/>
+        <p:txBody>
+          <a:bodyPr>
+            <a:normAutofit fontScale="90000"/>
+          </a:bodyPr>
+          <a:lstStyle/>
+          <a:p>
+            <a:r>
+              <a:rPr lang="en-US" dirty="0"/>
+              <a:t>Mostly used Handset Manufacturer</a:t>
+            </a:r>
+            <a:endParaRPr lang="LID4096" dirty="0"/>
+          </a:p>
+        </p:txBody>
+      </p:sp>
+      <p:sp>
+        <p:nvSpPr>
+          <p:cNvPr id="3" name="Text Placeholder 2">
+            <a:extLst>
+              <a:ext uri="{FF2B5EF4-FFF2-40B4-BE49-F238E27FC236}">
+                <a16:creationId xmlns:a16="http://schemas.microsoft.com/office/drawing/2014/main" id="{6461FE8C-6834-41BF-9619-2A5046EBE2FC}"/>
+              </a:ext>
+            </a:extLst>
+          </p:cNvPr>
+          <p:cNvSpPr>
+            <a:spLocks noGrp="1"/>
+          </p:cNvSpPr>
+          <p:nvPr>
+            <p:ph type="body" idx="1"/>
+          </p:nvPr>
+        </p:nvSpPr>
+        <p:spPr>
+          <a:xfrm>
+            <a:off x="311700" y="863550"/>
+            <a:ext cx="8520600" cy="4129364"/>
+          </a:xfrm>
+        </p:spPr>
+        <p:txBody>
+          <a:bodyPr/>
+          <a:lstStyle/>
+          <a:p>
+            <a:pPr marL="114300" indent="0">
+              <a:buNone/>
+            </a:pPr>
+            <a:endParaRPr lang="en-US" dirty="0"/>
+          </a:p>
+        </p:txBody>
+      </p:sp>
+      <p:pic>
+        <p:nvPicPr>
+          <p:cNvPr id="6" name="Picture 5">
+            <a:extLst>
+              <a:ext uri="{FF2B5EF4-FFF2-40B4-BE49-F238E27FC236}">
+                <a16:creationId xmlns:a16="http://schemas.microsoft.com/office/drawing/2014/main" id="{7C7C2A74-4637-4C7B-8782-B5AF98293340}"/>
+              </a:ext>
+            </a:extLst>
+          </p:cNvPr>
+          <p:cNvPicPr>
+            <a:picLocks noChangeAspect="1"/>
+          </p:cNvPicPr>
+          <p:nvPr/>
+        </p:nvPicPr>
+        <p:blipFill>
+          <a:blip r:embed="rId2"/>
+          <a:stretch>
+            <a:fillRect/>
+          </a:stretch>
+        </p:blipFill>
+        <p:spPr>
+          <a:xfrm>
+            <a:off x="496778" y="1017725"/>
+            <a:ext cx="4608957" cy="3416401"/>
+          </a:xfrm>
+          <a:prstGeom prst="rect">
+            <a:avLst/>
+          </a:prstGeom>
+        </p:spPr>
+      </p:pic>
+    </p:spTree>
+    <p:extLst>
+      <p:ext uri="{BB962C8B-B14F-4D97-AF65-F5344CB8AC3E}">
+        <p14:creationId xmlns:p14="http://schemas.microsoft.com/office/powerpoint/2010/main" val="1381075540"/>
+      </p:ext>
+    </p:extLst>
+  </p:cSld>
+  <p:clrMapOvr>
+    <a:masterClrMapping/>
+  </p:clrMapOvr>
+</p:sld>
+</file>
+
+<file path=ppt/slides/slide8.xml><?xml version="1.0" encoding="utf-8"?>
+<p:sld xmlns:a="http://schemas.openxmlformats.org/drawingml/2006/main" xmlns:r="http://schemas.openxmlformats.org/officeDocument/2006/relationships" xmlns:p="http://schemas.openxmlformats.org/presentationml/2006/main">
+  <p:cSld>
+    <p:spTree>
+      <p:nvGrpSpPr>
+        <p:cNvPr id="1" name=""/>
+        <p:cNvGrpSpPr/>
+        <p:nvPr/>
+      </p:nvGrpSpPr>
+      <p:grpSpPr>
+        <a:xfrm>
+          <a:off x="0" y="0"/>
+          <a:ext cx="0" cy="0"/>
+          <a:chOff x="0" y="0"/>
+          <a:chExt cx="0" cy="0"/>
+        </a:xfrm>
+      </p:grpSpPr>
+      <p:sp>
+        <p:nvSpPr>
           <p:cNvPr id="3" name="Text Placeholder 2">
             <a:extLst>
               <a:ext uri="{FF2B5EF4-FFF2-40B4-BE49-F238E27FC236}">
@@ -9743,7 +12771,7 @@
 </p:sld>
 </file>
 
-<file path=ppt/slides/slide7.xml><?xml version="1.0" encoding="utf-8"?>
+<file path=ppt/slides/slide9.xml><?xml version="1.0" encoding="utf-8"?>
 <p:sld xmlns:a="http://schemas.openxmlformats.org/drawingml/2006/main" xmlns:r="http://schemas.openxmlformats.org/officeDocument/2006/relationships" xmlns:p="http://schemas.openxmlformats.org/presentationml/2006/main">
   <p:cSld>
     <p:spTree>
@@ -9842,440 +12870,6 @@
         <p14:creationId xmlns:p14="http://schemas.microsoft.com/office/powerpoint/2010/main" val="473255775"/>
       </p:ext>
     </p:extLst>
-  </p:cSld>
-  <p:clrMapOvr>
-    <a:masterClrMapping/>
-  </p:clrMapOvr>
-</p:sld>
-</file>
-
-<file path=ppt/slides/slide8.xml><?xml version="1.0" encoding="utf-8"?>
-<p:sld xmlns:a="http://schemas.openxmlformats.org/drawingml/2006/main" xmlns:r="http://schemas.openxmlformats.org/officeDocument/2006/relationships" xmlns:p="http://schemas.openxmlformats.org/presentationml/2006/main">
-  <p:cSld>
-    <p:spTree>
-      <p:nvGrpSpPr>
-        <p:cNvPr id="1" name="Shape 78"/>
-        <p:cNvGrpSpPr/>
-        <p:nvPr/>
-      </p:nvGrpSpPr>
-      <p:grpSpPr>
-        <a:xfrm>
-          <a:off x="0" y="0"/>
-          <a:ext cx="0" cy="0"/>
-          <a:chOff x="0" y="0"/>
-          <a:chExt cx="0" cy="0"/>
-        </a:xfrm>
-      </p:grpSpPr>
-      <p:sp>
-        <p:nvSpPr>
-          <p:cNvPr id="79" name="Google Shape;79;p17"/>
-          <p:cNvSpPr txBox="1">
-            <a:spLocks noGrp="1"/>
-          </p:cNvSpPr>
-          <p:nvPr>
-            <p:ph type="title"/>
-          </p:nvPr>
-        </p:nvSpPr>
-        <p:spPr>
-          <a:xfrm>
-            <a:off x="303679" y="156268"/>
-            <a:ext cx="8520600" cy="461354"/>
-          </a:xfrm>
-          <a:prstGeom prst="rect">
-            <a:avLst/>
-          </a:prstGeom>
-        </p:spPr>
-        <p:txBody>
-          <a:bodyPr spcFirstLastPara="1" wrap="square" lIns="91425" tIns="91425" rIns="91425" bIns="91425" anchor="t" anchorCtr="0">
-            <a:normAutofit fontScale="90000"/>
-          </a:bodyPr>
-          <a:lstStyle/>
-          <a:p>
-            <a:pPr marL="0" lvl="0" indent="0" algn="l" rtl="0">
-              <a:spcBef>
-                <a:spcPts val="0"/>
-              </a:spcBef>
-              <a:spcAft>
-                <a:spcPts val="0"/>
-              </a:spcAft>
-              <a:buNone/>
-            </a:pPr>
-            <a:r>
-              <a:rPr lang="en" sz="1700" dirty="0"/>
-              <a:t>Graphical Univariate analysis for different applications vs the variables </a:t>
-            </a:r>
-            <a:r>
-              <a:rPr lang="en-US" sz="1700" dirty="0"/>
-              <a:t>for a sample of 1000</a:t>
-            </a:r>
-            <a:endParaRPr sz="1700" dirty="0"/>
-          </a:p>
-        </p:txBody>
-      </p:sp>
-      <p:sp>
-        <p:nvSpPr>
-          <p:cNvPr id="80" name="Google Shape;80;p17"/>
-          <p:cNvSpPr txBox="1">
-            <a:spLocks noGrp="1"/>
-          </p:cNvSpPr>
-          <p:nvPr>
-            <p:ph type="body" idx="1"/>
-          </p:nvPr>
-        </p:nvSpPr>
-        <p:spPr>
-          <a:xfrm>
-            <a:off x="311700" y="617622"/>
-            <a:ext cx="8520600" cy="4451683"/>
-          </a:xfrm>
-          <a:prstGeom prst="rect">
-            <a:avLst/>
-          </a:prstGeom>
-        </p:spPr>
-        <p:txBody>
-          <a:bodyPr spcFirstLastPara="1" wrap="square" lIns="91425" tIns="91425" rIns="91425" bIns="91425" anchor="t" anchorCtr="0">
-            <a:normAutofit/>
-          </a:bodyPr>
-          <a:lstStyle/>
-          <a:p>
-            <a:pPr marL="0" lvl="0" indent="0" algn="l" rtl="0">
-              <a:spcBef>
-                <a:spcPts val="0"/>
-              </a:spcBef>
-              <a:spcAft>
-                <a:spcPts val="0"/>
-              </a:spcAft>
-              <a:buNone/>
-            </a:pPr>
-            <a:r>
-              <a:rPr lang="en" dirty="0"/>
-              <a:t>Social Media Downloads</a:t>
-            </a:r>
-          </a:p>
-          <a:p>
-            <a:pPr marL="0" lvl="0" indent="0" algn="l" rtl="0">
-              <a:spcBef>
-                <a:spcPts val="0"/>
-              </a:spcBef>
-              <a:spcAft>
-                <a:spcPts val="0"/>
-              </a:spcAft>
-              <a:buNone/>
-            </a:pPr>
-            <a:r>
-              <a:rPr lang="en-US" sz="1400" dirty="0"/>
-              <a:t>The duration for both is mostly concentrated between 0-0.5 </a:t>
-            </a:r>
-            <a:r>
-              <a:rPr lang="en-US" sz="1400" dirty="0" err="1"/>
-              <a:t>ms</a:t>
-            </a:r>
-            <a:endParaRPr lang="en-US" sz="1400" dirty="0"/>
-          </a:p>
-          <a:p>
-            <a:pPr marL="0" lvl="0" indent="0" algn="l" rtl="0">
-              <a:spcBef>
-                <a:spcPts val="0"/>
-              </a:spcBef>
-              <a:spcAft>
-                <a:spcPts val="0"/>
-              </a:spcAft>
-              <a:buNone/>
-            </a:pPr>
-            <a:r>
-              <a:rPr lang="en-US" sz="1400" dirty="0"/>
-              <a:t>The total download is equally distributed </a:t>
-            </a:r>
-          </a:p>
-          <a:p>
-            <a:pPr marL="0" lvl="0" indent="0" algn="l" rtl="0">
-              <a:spcBef>
-                <a:spcPts val="0"/>
-              </a:spcBef>
-              <a:spcAft>
-                <a:spcPts val="0"/>
-              </a:spcAft>
-              <a:buNone/>
-            </a:pPr>
-            <a:r>
-              <a:rPr lang="en-US" sz="1400" dirty="0"/>
-              <a:t>The total upload is somewhat distributed with more concentration in the middle</a:t>
-            </a:r>
-            <a:endParaRPr lang="en" sz="1400" dirty="0"/>
-          </a:p>
-          <a:p>
-            <a:pPr marL="0" lvl="0" indent="0" algn="l" rtl="0">
-              <a:spcBef>
-                <a:spcPts val="0"/>
-              </a:spcBef>
-              <a:spcAft>
-                <a:spcPts val="0"/>
-              </a:spcAft>
-              <a:buNone/>
-            </a:pPr>
-            <a:endParaRPr dirty="0"/>
-          </a:p>
-          <a:p>
-            <a:pPr marL="0" lvl="0" indent="0" algn="l" rtl="0">
-              <a:spcBef>
-                <a:spcPts val="1200"/>
-              </a:spcBef>
-              <a:spcAft>
-                <a:spcPts val="1200"/>
-              </a:spcAft>
-              <a:buNone/>
-            </a:pPr>
-            <a:endParaRPr dirty="0"/>
-          </a:p>
-        </p:txBody>
-      </p:sp>
-      <p:pic>
-        <p:nvPicPr>
-          <p:cNvPr id="3" name="Picture 2">
-            <a:extLst>
-              <a:ext uri="{FF2B5EF4-FFF2-40B4-BE49-F238E27FC236}">
-                <a16:creationId xmlns:a16="http://schemas.microsoft.com/office/drawing/2014/main" id="{C1AA5B6A-BD34-4701-BE5D-AC093A042433}"/>
-              </a:ext>
-            </a:extLst>
-          </p:cNvPr>
-          <p:cNvPicPr>
-            <a:picLocks noChangeAspect="1"/>
-          </p:cNvPicPr>
-          <p:nvPr/>
-        </p:nvPicPr>
-        <p:blipFill>
-          <a:blip r:embed="rId3"/>
-          <a:stretch>
-            <a:fillRect/>
-          </a:stretch>
-        </p:blipFill>
-        <p:spPr>
-          <a:xfrm>
-            <a:off x="549161" y="1876926"/>
-            <a:ext cx="8102385" cy="1409054"/>
-          </a:xfrm>
-          <a:prstGeom prst="rect">
-            <a:avLst/>
-          </a:prstGeom>
-        </p:spPr>
-      </p:pic>
-      <p:pic>
-        <p:nvPicPr>
-          <p:cNvPr id="5" name="Picture 4">
-            <a:extLst>
-              <a:ext uri="{FF2B5EF4-FFF2-40B4-BE49-F238E27FC236}">
-                <a16:creationId xmlns:a16="http://schemas.microsoft.com/office/drawing/2014/main" id="{657567EA-EED2-4355-A65B-30D3881AE980}"/>
-              </a:ext>
-            </a:extLst>
-          </p:cNvPr>
-          <p:cNvPicPr>
-            <a:picLocks noChangeAspect="1"/>
-          </p:cNvPicPr>
-          <p:nvPr/>
-        </p:nvPicPr>
-        <p:blipFill>
-          <a:blip r:embed="rId4"/>
-          <a:stretch>
-            <a:fillRect/>
-          </a:stretch>
-        </p:blipFill>
-        <p:spPr>
-          <a:xfrm>
-            <a:off x="641685" y="3442248"/>
-            <a:ext cx="7981507" cy="1544984"/>
-          </a:xfrm>
-          <a:prstGeom prst="rect">
-            <a:avLst/>
-          </a:prstGeom>
-        </p:spPr>
-      </p:pic>
-    </p:spTree>
-  </p:cSld>
-  <p:clrMapOvr>
-    <a:masterClrMapping/>
-  </p:clrMapOvr>
-</p:sld>
-</file>
-
-<file path=ppt/slides/slide9.xml><?xml version="1.0" encoding="utf-8"?>
-<p:sld xmlns:a="http://schemas.openxmlformats.org/drawingml/2006/main" xmlns:r="http://schemas.openxmlformats.org/officeDocument/2006/relationships" xmlns:p="http://schemas.openxmlformats.org/presentationml/2006/main">
-  <p:cSld>
-    <p:spTree>
-      <p:nvGrpSpPr>
-        <p:cNvPr id="1" name="Shape 91"/>
-        <p:cNvGrpSpPr/>
-        <p:nvPr/>
-      </p:nvGrpSpPr>
-      <p:grpSpPr>
-        <a:xfrm>
-          <a:off x="0" y="0"/>
-          <a:ext cx="0" cy="0"/>
-          <a:chOff x="0" y="0"/>
-          <a:chExt cx="0" cy="0"/>
-        </a:xfrm>
-      </p:grpSpPr>
-      <p:sp>
-        <p:nvSpPr>
-          <p:cNvPr id="92" name="Google Shape;92;p19"/>
-          <p:cNvSpPr txBox="1">
-            <a:spLocks noGrp="1"/>
-          </p:cNvSpPr>
-          <p:nvPr>
-            <p:ph type="body" idx="1"/>
-          </p:nvPr>
-        </p:nvSpPr>
-        <p:spPr>
-          <a:xfrm>
-            <a:off x="311700" y="120315"/>
-            <a:ext cx="8520600" cy="4916905"/>
-          </a:xfrm>
-          <a:prstGeom prst="rect">
-            <a:avLst/>
-          </a:prstGeom>
-        </p:spPr>
-        <p:txBody>
-          <a:bodyPr spcFirstLastPara="1" wrap="square" lIns="91425" tIns="91425" rIns="91425" bIns="91425" anchor="t" anchorCtr="0">
-            <a:normAutofit/>
-          </a:bodyPr>
-          <a:lstStyle/>
-          <a:p>
-            <a:pPr marL="0" lvl="0" indent="0" algn="l" rtl="0">
-              <a:spcBef>
-                <a:spcPts val="0"/>
-              </a:spcBef>
-              <a:spcAft>
-                <a:spcPts val="0"/>
-              </a:spcAft>
-              <a:buNone/>
-            </a:pPr>
-            <a:r>
-              <a:rPr lang="en" dirty="0"/>
-              <a:t>Google </a:t>
-            </a:r>
-            <a:r>
-              <a:rPr lang="en-US" dirty="0"/>
-              <a:t>plots</a:t>
-            </a:r>
-          </a:p>
-          <a:p>
-            <a:pPr marL="0" lvl="0" indent="0">
-              <a:buNone/>
-            </a:pPr>
-            <a:r>
-              <a:rPr lang="en-US" sz="1400" dirty="0"/>
-              <a:t>The duration for both is mostly concentrated between 0-0.5 </a:t>
-            </a:r>
-            <a:r>
-              <a:rPr lang="en-US" sz="1400" dirty="0" err="1"/>
-              <a:t>ms</a:t>
-            </a:r>
-            <a:endParaRPr lang="en-US" sz="1400" dirty="0"/>
-          </a:p>
-          <a:p>
-            <a:pPr marL="0" lvl="0" indent="0">
-              <a:buNone/>
-            </a:pPr>
-            <a:r>
-              <a:rPr lang="en-US" sz="1400" dirty="0"/>
-              <a:t>The total download is equally distributed </a:t>
-            </a:r>
-          </a:p>
-          <a:p>
-            <a:pPr marL="0" lvl="0" indent="0">
-              <a:buNone/>
-            </a:pPr>
-            <a:r>
-              <a:rPr lang="en-US" sz="1400" dirty="0"/>
-              <a:t>The total upload is somewhat distributed with more concentration in the middle</a:t>
-            </a:r>
-            <a:endParaRPr lang="en" sz="1400" dirty="0"/>
-          </a:p>
-          <a:p>
-            <a:pPr marL="0" lvl="0" indent="0" algn="l" rtl="0">
-              <a:spcBef>
-                <a:spcPts val="0"/>
-              </a:spcBef>
-              <a:spcAft>
-                <a:spcPts val="0"/>
-              </a:spcAft>
-              <a:buNone/>
-            </a:pPr>
-            <a:endParaRPr dirty="0"/>
-          </a:p>
-          <a:p>
-            <a:pPr marL="0" lvl="0" indent="0" algn="l" rtl="0">
-              <a:spcBef>
-                <a:spcPts val="1200"/>
-              </a:spcBef>
-              <a:spcAft>
-                <a:spcPts val="1200"/>
-              </a:spcAft>
-              <a:buNone/>
-            </a:pPr>
-            <a:endParaRPr dirty="0"/>
-          </a:p>
-        </p:txBody>
-      </p:sp>
-      <p:pic>
-        <p:nvPicPr>
-          <p:cNvPr id="3" name="Picture 2">
-            <a:extLst>
-              <a:ext uri="{FF2B5EF4-FFF2-40B4-BE49-F238E27FC236}">
-                <a16:creationId xmlns:a16="http://schemas.microsoft.com/office/drawing/2014/main" id="{23837376-628B-4E2D-9CF0-D2CFFAA7A9DA}"/>
-              </a:ext>
-            </a:extLst>
-          </p:cNvPr>
-          <p:cNvPicPr>
-            <a:picLocks noChangeAspect="1"/>
-          </p:cNvPicPr>
-          <p:nvPr/>
-        </p:nvPicPr>
-        <p:blipFill>
-          <a:blip r:embed="rId3"/>
-          <a:stretch>
-            <a:fillRect/>
-          </a:stretch>
-        </p:blipFill>
-        <p:spPr>
-          <a:xfrm>
-            <a:off x="906377" y="3205413"/>
-            <a:ext cx="7331243" cy="1495354"/>
-          </a:xfrm>
-          <a:prstGeom prst="rect">
-            <a:avLst/>
-          </a:prstGeom>
-        </p:spPr>
-      </p:pic>
-      <p:pic>
-        <p:nvPicPr>
-          <p:cNvPr id="5" name="Picture 4">
-            <a:extLst>
-              <a:ext uri="{FF2B5EF4-FFF2-40B4-BE49-F238E27FC236}">
-                <a16:creationId xmlns:a16="http://schemas.microsoft.com/office/drawing/2014/main" id="{140D4F17-6722-4BE8-8314-45AA224DB91C}"/>
-              </a:ext>
-            </a:extLst>
-          </p:cNvPr>
-          <p:cNvPicPr>
-            <a:picLocks noChangeAspect="1"/>
-          </p:cNvPicPr>
-          <p:nvPr/>
-        </p:nvPicPr>
-        <p:blipFill>
-          <a:blip r:embed="rId4"/>
-          <a:stretch>
-            <a:fillRect/>
-          </a:stretch>
-        </p:blipFill>
-        <p:spPr>
-          <a:xfrm>
-            <a:off x="906377" y="1583873"/>
-            <a:ext cx="7331243" cy="1415142"/>
-          </a:xfrm>
-          <a:prstGeom prst="rect">
-            <a:avLst/>
-          </a:prstGeom>
-        </p:spPr>
-      </p:pic>
-    </p:spTree>
   </p:cSld>
   <p:clrMapOvr>
     <a:masterClrMapping/>
